--- a/Planning/látványterv.pptx
+++ b/Planning/látványterv.pptx
@@ -19,14 +19,15 @@
     <p:sldId id="278" r:id="rId13"/>
     <p:sldId id="264" r:id="rId14"/>
     <p:sldId id="269" r:id="rId15"/>
-    <p:sldId id="258" r:id="rId16"/>
-    <p:sldId id="279" r:id="rId17"/>
-    <p:sldId id="280" r:id="rId18"/>
-    <p:sldId id="261" r:id="rId19"/>
-    <p:sldId id="257" r:id="rId20"/>
-    <p:sldId id="259" r:id="rId21"/>
-    <p:sldId id="270" r:id="rId22"/>
-    <p:sldId id="271" r:id="rId23"/>
+    <p:sldId id="281" r:id="rId16"/>
+    <p:sldId id="258" r:id="rId17"/>
+    <p:sldId id="279" r:id="rId18"/>
+    <p:sldId id="280" r:id="rId19"/>
+    <p:sldId id="261" r:id="rId20"/>
+    <p:sldId id="257" r:id="rId21"/>
+    <p:sldId id="259" r:id="rId22"/>
+    <p:sldId id="270" r:id="rId23"/>
+    <p:sldId id="271" r:id="rId24"/>
   </p:sldIdLst>
   <p:sldSz cx="12192000" cy="6858000"/>
   <p:notesSz cx="6858000" cy="9144000"/>
@@ -4851,7 +4852,7 @@
           <a:p>
             <a:fld id="{C36CC8F2-73B3-46F3-9726-A154FD4D3F66}" type="datetimeFigureOut">
               <a:rPr lang="hu-HU" smtClean="0"/>
-              <a:t>2022. 02. 14.</a:t>
+              <a:t>2022. 02. 18.</a:t>
             </a:fld>
             <a:endParaRPr lang="hu-HU"/>
           </a:p>
@@ -5049,7 +5050,7 @@
           <a:p>
             <a:fld id="{C36CC8F2-73B3-46F3-9726-A154FD4D3F66}" type="datetimeFigureOut">
               <a:rPr lang="hu-HU" smtClean="0"/>
-              <a:t>2022. 02. 14.</a:t>
+              <a:t>2022. 02. 18.</a:t>
             </a:fld>
             <a:endParaRPr lang="hu-HU"/>
           </a:p>
@@ -5257,7 +5258,7 @@
           <a:p>
             <a:fld id="{C36CC8F2-73B3-46F3-9726-A154FD4D3F66}" type="datetimeFigureOut">
               <a:rPr lang="hu-HU" smtClean="0"/>
-              <a:t>2022. 02. 14.</a:t>
+              <a:t>2022. 02. 18.</a:t>
             </a:fld>
             <a:endParaRPr lang="hu-HU"/>
           </a:p>
@@ -5455,7 +5456,7 @@
           <a:p>
             <a:fld id="{C36CC8F2-73B3-46F3-9726-A154FD4D3F66}" type="datetimeFigureOut">
               <a:rPr lang="hu-HU" smtClean="0"/>
-              <a:t>2022. 02. 14.</a:t>
+              <a:t>2022. 02. 18.</a:t>
             </a:fld>
             <a:endParaRPr lang="hu-HU"/>
           </a:p>
@@ -5730,7 +5731,7 @@
           <a:p>
             <a:fld id="{C36CC8F2-73B3-46F3-9726-A154FD4D3F66}" type="datetimeFigureOut">
               <a:rPr lang="hu-HU" smtClean="0"/>
-              <a:t>2022. 02. 14.</a:t>
+              <a:t>2022. 02. 18.</a:t>
             </a:fld>
             <a:endParaRPr lang="hu-HU"/>
           </a:p>
@@ -5995,7 +5996,7 @@
           <a:p>
             <a:fld id="{C36CC8F2-73B3-46F3-9726-A154FD4D3F66}" type="datetimeFigureOut">
               <a:rPr lang="hu-HU" smtClean="0"/>
-              <a:t>2022. 02. 14.</a:t>
+              <a:t>2022. 02. 18.</a:t>
             </a:fld>
             <a:endParaRPr lang="hu-HU"/>
           </a:p>
@@ -6407,7 +6408,7 @@
           <a:p>
             <a:fld id="{C36CC8F2-73B3-46F3-9726-A154FD4D3F66}" type="datetimeFigureOut">
               <a:rPr lang="hu-HU" smtClean="0"/>
-              <a:t>2022. 02. 14.</a:t>
+              <a:t>2022. 02. 18.</a:t>
             </a:fld>
             <a:endParaRPr lang="hu-HU"/>
           </a:p>
@@ -6548,7 +6549,7 @@
           <a:p>
             <a:fld id="{C36CC8F2-73B3-46F3-9726-A154FD4D3F66}" type="datetimeFigureOut">
               <a:rPr lang="hu-HU" smtClean="0"/>
-              <a:t>2022. 02. 14.</a:t>
+              <a:t>2022. 02. 18.</a:t>
             </a:fld>
             <a:endParaRPr lang="hu-HU"/>
           </a:p>
@@ -6661,7 +6662,7 @@
           <a:p>
             <a:fld id="{C36CC8F2-73B3-46F3-9726-A154FD4D3F66}" type="datetimeFigureOut">
               <a:rPr lang="hu-HU" smtClean="0"/>
-              <a:t>2022. 02. 14.</a:t>
+              <a:t>2022. 02. 18.</a:t>
             </a:fld>
             <a:endParaRPr lang="hu-HU"/>
           </a:p>
@@ -6972,7 +6973,7 @@
           <a:p>
             <a:fld id="{C36CC8F2-73B3-46F3-9726-A154FD4D3F66}" type="datetimeFigureOut">
               <a:rPr lang="hu-HU" smtClean="0"/>
-              <a:t>2022. 02. 14.</a:t>
+              <a:t>2022. 02. 18.</a:t>
             </a:fld>
             <a:endParaRPr lang="hu-HU"/>
           </a:p>
@@ -7260,7 +7261,7 @@
           <a:p>
             <a:fld id="{C36CC8F2-73B3-46F3-9726-A154FD4D3F66}" type="datetimeFigureOut">
               <a:rPr lang="hu-HU" smtClean="0"/>
-              <a:t>2022. 02. 14.</a:t>
+              <a:t>2022. 02. 18.</a:t>
             </a:fld>
             <a:endParaRPr lang="hu-HU"/>
           </a:p>
@@ -7501,7 +7502,7 @@
           <a:p>
             <a:fld id="{C36CC8F2-73B3-46F3-9726-A154FD4D3F66}" type="datetimeFigureOut">
               <a:rPr lang="hu-HU" smtClean="0"/>
-              <a:t>2022. 02. 14.</a:t>
+              <a:t>2022. 02. 18.</a:t>
             </a:fld>
             <a:endParaRPr lang="hu-HU"/>
           </a:p>
@@ -11258,6 +11259,1046 @@
           <a:chExt cx="0" cy="0"/>
         </a:xfrm>
       </p:grpSpPr>
+      <p:pic>
+        <p:nvPicPr>
+          <p:cNvPr id="2" name="Kép 1">
+            <a:extLst>
+              <a:ext uri="{FF2B5EF4-FFF2-40B4-BE49-F238E27FC236}">
+                <a16:creationId xmlns:a16="http://schemas.microsoft.com/office/drawing/2014/main" id="{83EE99CF-AEF2-4A68-A265-CEA7190205F2}"/>
+              </a:ext>
+            </a:extLst>
+          </p:cNvPr>
+          <p:cNvPicPr>
+            <a:picLocks noChangeAspect="1"/>
+          </p:cNvPicPr>
+          <p:nvPr/>
+        </p:nvPicPr>
+        <p:blipFill>
+          <a:blip r:embed="rId2"/>
+          <a:stretch>
+            <a:fillRect/>
+          </a:stretch>
+        </p:blipFill>
+        <p:spPr>
+          <a:xfrm>
+            <a:off x="0" y="0"/>
+            <a:ext cx="12192000" cy="6858000"/>
+          </a:xfrm>
+          <a:prstGeom prst="rect">
+            <a:avLst/>
+          </a:prstGeom>
+        </p:spPr>
+      </p:pic>
+      <p:sp>
+        <p:nvSpPr>
+          <p:cNvPr id="3" name="Téglalap 2">
+            <a:extLst>
+              <a:ext uri="{FF2B5EF4-FFF2-40B4-BE49-F238E27FC236}">
+                <a16:creationId xmlns:a16="http://schemas.microsoft.com/office/drawing/2014/main" id="{6B7E89EF-B5E0-45AF-9222-A8ECD0120251}"/>
+              </a:ext>
+            </a:extLst>
+          </p:cNvPr>
+          <p:cNvSpPr/>
+          <p:nvPr/>
+        </p:nvSpPr>
+        <p:spPr>
+          <a:xfrm>
+            <a:off x="300594" y="804063"/>
+            <a:ext cx="4649821" cy="5363273"/>
+          </a:xfrm>
+          <a:prstGeom prst="rect">
+            <a:avLst/>
+          </a:prstGeom>
+        </p:spPr>
+        <p:style>
+          <a:lnRef idx="2">
+            <a:schemeClr val="accent1">
+              <a:shade val="50000"/>
+            </a:schemeClr>
+          </a:lnRef>
+          <a:fillRef idx="1">
+            <a:schemeClr val="accent1"/>
+          </a:fillRef>
+          <a:effectRef idx="0">
+            <a:schemeClr val="accent1"/>
+          </a:effectRef>
+          <a:fontRef idx="minor">
+            <a:schemeClr val="lt1"/>
+          </a:fontRef>
+        </p:style>
+        <p:txBody>
+          <a:bodyPr rtlCol="0" anchor="ctr"/>
+          <a:lstStyle/>
+          <a:p>
+            <a:pPr algn="ctr"/>
+            <a:r>
+              <a:rPr lang="hu-HU" dirty="0"/>
+              <a:t>párosítások</a:t>
+            </a:r>
+          </a:p>
+        </p:txBody>
+      </p:sp>
+      <p:grpSp>
+        <p:nvGrpSpPr>
+          <p:cNvPr id="16" name="Csoportba foglalás 15">
+            <a:extLst>
+              <a:ext uri="{FF2B5EF4-FFF2-40B4-BE49-F238E27FC236}">
+                <a16:creationId xmlns:a16="http://schemas.microsoft.com/office/drawing/2014/main" id="{8FE3AB21-98B1-4B13-9884-871815709771}"/>
+              </a:ext>
+            </a:extLst>
+          </p:cNvPr>
+          <p:cNvGrpSpPr/>
+          <p:nvPr/>
+        </p:nvGrpSpPr>
+        <p:grpSpPr>
+          <a:xfrm>
+            <a:off x="5239748" y="728717"/>
+            <a:ext cx="6592029" cy="943636"/>
+            <a:chOff x="4746055" y="3233740"/>
+            <a:chExt cx="6502110" cy="943636"/>
+          </a:xfrm>
+        </p:grpSpPr>
+        <p:sp>
+          <p:nvSpPr>
+            <p:cNvPr id="5" name="Téglalap: lekerekített 4">
+              <a:extLst>
+                <a:ext uri="{FF2B5EF4-FFF2-40B4-BE49-F238E27FC236}">
+                  <a16:creationId xmlns:a16="http://schemas.microsoft.com/office/drawing/2014/main" id="{608DE897-B66E-4C8A-A427-9C3F0C6D8F73}"/>
+                </a:ext>
+              </a:extLst>
+            </p:cNvPr>
+            <p:cNvSpPr/>
+            <p:nvPr/>
+          </p:nvSpPr>
+          <p:spPr>
+            <a:xfrm>
+              <a:off x="4746055" y="3233740"/>
+              <a:ext cx="6502110" cy="943636"/>
+            </a:xfrm>
+            <a:prstGeom prst="roundRect">
+              <a:avLst/>
+            </a:prstGeom>
+            <a:solidFill>
+              <a:schemeClr val="bg1">
+                <a:lumMod val="85000"/>
+              </a:schemeClr>
+            </a:solidFill>
+            <a:ln>
+              <a:solidFill>
+                <a:schemeClr val="bg1">
+                  <a:lumMod val="75000"/>
+                </a:schemeClr>
+              </a:solidFill>
+            </a:ln>
+          </p:spPr>
+          <p:style>
+            <a:lnRef idx="2">
+              <a:schemeClr val="accent1">
+                <a:shade val="50000"/>
+              </a:schemeClr>
+            </a:lnRef>
+            <a:fillRef idx="1">
+              <a:schemeClr val="accent1"/>
+            </a:fillRef>
+            <a:effectRef idx="0">
+              <a:schemeClr val="accent1"/>
+            </a:effectRef>
+            <a:fontRef idx="minor">
+              <a:schemeClr val="lt1"/>
+            </a:fontRef>
+          </p:style>
+          <p:txBody>
+            <a:bodyPr rtlCol="0" anchor="ctr"/>
+            <a:lstStyle/>
+            <a:p>
+              <a:pPr algn="ctr"/>
+              <a:endParaRPr lang="hu-HU" dirty="0"/>
+            </a:p>
+          </p:txBody>
+        </p:sp>
+        <p:grpSp>
+          <p:nvGrpSpPr>
+            <p:cNvPr id="6" name="Csoportba foglalás 5">
+              <a:extLst>
+                <a:ext uri="{FF2B5EF4-FFF2-40B4-BE49-F238E27FC236}">
+                  <a16:creationId xmlns:a16="http://schemas.microsoft.com/office/drawing/2014/main" id="{42993849-C167-4DDD-BA12-E8CCE411D3EA}"/>
+                </a:ext>
+              </a:extLst>
+            </p:cNvPr>
+            <p:cNvGrpSpPr/>
+            <p:nvPr/>
+          </p:nvGrpSpPr>
+          <p:grpSpPr>
+            <a:xfrm>
+              <a:off x="5030151" y="3278803"/>
+              <a:ext cx="1215533" cy="334036"/>
+              <a:chOff x="5025942" y="3666020"/>
+              <a:chExt cx="1215533" cy="315544"/>
+            </a:xfrm>
+          </p:grpSpPr>
+          <p:sp>
+            <p:nvSpPr>
+              <p:cNvPr id="7" name="Szövegdoboz 6">
+                <a:extLst>
+                  <a:ext uri="{FF2B5EF4-FFF2-40B4-BE49-F238E27FC236}">
+                    <a16:creationId xmlns:a16="http://schemas.microsoft.com/office/drawing/2014/main" id="{C77518FD-4B00-493E-91CD-4408D867405E}"/>
+                  </a:ext>
+                </a:extLst>
+              </p:cNvPr>
+              <p:cNvSpPr txBox="1"/>
+              <p:nvPr/>
+            </p:nvSpPr>
+            <p:spPr>
+              <a:xfrm>
+                <a:off x="5320133" y="3666020"/>
+                <a:ext cx="921342" cy="307777"/>
+              </a:xfrm>
+              <a:prstGeom prst="rect">
+                <a:avLst/>
+              </a:prstGeom>
+              <a:noFill/>
+            </p:spPr>
+            <p:txBody>
+              <a:bodyPr wrap="none" rtlCol="0">
+                <a:spAutoFit/>
+              </a:bodyPr>
+              <a:lstStyle/>
+              <a:p>
+                <a:r>
+                  <a:rPr lang="hu-HU" sz="1400" dirty="0"/>
+                  <a:t>Tematikus</a:t>
+                </a:r>
+              </a:p>
+            </p:txBody>
+          </p:sp>
+          <p:pic>
+            <p:nvPicPr>
+              <p:cNvPr id="8" name="Kép 7">
+                <a:extLst>
+                  <a:ext uri="{FF2B5EF4-FFF2-40B4-BE49-F238E27FC236}">
+                    <a16:creationId xmlns:a16="http://schemas.microsoft.com/office/drawing/2014/main" id="{330AE619-4163-4D16-BC03-F868A2BEB62A}"/>
+                  </a:ext>
+                </a:extLst>
+              </p:cNvPr>
+              <p:cNvPicPr>
+                <a:picLocks noChangeAspect="1"/>
+              </p:cNvPicPr>
+              <p:nvPr/>
+            </p:nvPicPr>
+            <p:blipFill>
+              <a:blip r:embed="rId3"/>
+              <a:stretch>
+                <a:fillRect/>
+              </a:stretch>
+            </p:blipFill>
+            <p:spPr>
+              <a:xfrm>
+                <a:off x="5025942" y="3673787"/>
+                <a:ext cx="283674" cy="307777"/>
+              </a:xfrm>
+              <a:prstGeom prst="rect">
+                <a:avLst/>
+              </a:prstGeom>
+            </p:spPr>
+          </p:pic>
+        </p:grpSp>
+        <p:grpSp>
+          <p:nvGrpSpPr>
+            <p:cNvPr id="9" name="Csoportba foglalás 8">
+              <a:extLst>
+                <a:ext uri="{FF2B5EF4-FFF2-40B4-BE49-F238E27FC236}">
+                  <a16:creationId xmlns:a16="http://schemas.microsoft.com/office/drawing/2014/main" id="{B140AF8D-5768-425A-9D07-D26951BBFE95}"/>
+                </a:ext>
+              </a:extLst>
+            </p:cNvPr>
+            <p:cNvGrpSpPr/>
+            <p:nvPr/>
+          </p:nvGrpSpPr>
+          <p:grpSpPr>
+            <a:xfrm>
+              <a:off x="5030151" y="3705637"/>
+              <a:ext cx="935713" cy="334039"/>
+              <a:chOff x="5025942" y="3666017"/>
+              <a:chExt cx="935713" cy="315547"/>
+            </a:xfrm>
+          </p:grpSpPr>
+          <p:sp>
+            <p:nvSpPr>
+              <p:cNvPr id="10" name="Szövegdoboz 9">
+                <a:extLst>
+                  <a:ext uri="{FF2B5EF4-FFF2-40B4-BE49-F238E27FC236}">
+                    <a16:creationId xmlns:a16="http://schemas.microsoft.com/office/drawing/2014/main" id="{F0B25D06-206E-4CA3-AF76-120A70426D98}"/>
+                  </a:ext>
+                </a:extLst>
+              </p:cNvPr>
+              <p:cNvSpPr txBox="1"/>
+              <p:nvPr/>
+            </p:nvSpPr>
+            <p:spPr>
+              <a:xfrm>
+                <a:off x="5320133" y="3666017"/>
+                <a:ext cx="641522" cy="290739"/>
+              </a:xfrm>
+              <a:prstGeom prst="rect">
+                <a:avLst/>
+              </a:prstGeom>
+              <a:noFill/>
+            </p:spPr>
+            <p:txBody>
+              <a:bodyPr wrap="none" rtlCol="0">
+                <a:spAutoFit/>
+              </a:bodyPr>
+              <a:lstStyle/>
+              <a:p>
+                <a:r>
+                  <a:rPr lang="hu-HU" sz="1400" dirty="0"/>
+                  <a:t>Villám</a:t>
+                </a:r>
+              </a:p>
+            </p:txBody>
+          </p:sp>
+          <p:pic>
+            <p:nvPicPr>
+              <p:cNvPr id="11" name="Kép 10">
+                <a:extLst>
+                  <a:ext uri="{FF2B5EF4-FFF2-40B4-BE49-F238E27FC236}">
+                    <a16:creationId xmlns:a16="http://schemas.microsoft.com/office/drawing/2014/main" id="{8AD96452-7A94-47B7-9935-E6710B3A944A}"/>
+                  </a:ext>
+                </a:extLst>
+              </p:cNvPr>
+              <p:cNvPicPr>
+                <a:picLocks noChangeAspect="1"/>
+              </p:cNvPicPr>
+              <p:nvPr/>
+            </p:nvPicPr>
+            <p:blipFill>
+              <a:blip r:embed="rId3"/>
+              <a:stretch>
+                <a:fillRect/>
+              </a:stretch>
+            </p:blipFill>
+            <p:spPr>
+              <a:xfrm>
+                <a:off x="5025942" y="3673787"/>
+                <a:ext cx="283674" cy="307777"/>
+              </a:xfrm>
+              <a:prstGeom prst="rect">
+                <a:avLst/>
+              </a:prstGeom>
+            </p:spPr>
+          </p:pic>
+        </p:grpSp>
+        <p:pic>
+          <p:nvPicPr>
+            <p:cNvPr id="12" name="Kép 11">
+              <a:extLst>
+                <a:ext uri="{FF2B5EF4-FFF2-40B4-BE49-F238E27FC236}">
+                  <a16:creationId xmlns:a16="http://schemas.microsoft.com/office/drawing/2014/main" id="{E2F83236-F584-4B36-9AAA-5FB5552EBC6B}"/>
+                </a:ext>
+              </a:extLst>
+            </p:cNvPr>
+            <p:cNvPicPr>
+              <a:picLocks noChangeAspect="1"/>
+            </p:cNvPicPr>
+            <p:nvPr/>
+          </p:nvPicPr>
+          <p:blipFill>
+            <a:blip r:embed="rId4"/>
+            <a:stretch>
+              <a:fillRect/>
+            </a:stretch>
+          </p:blipFill>
+          <p:spPr>
+            <a:xfrm>
+              <a:off x="8239181" y="3294745"/>
+              <a:ext cx="1958787" cy="308619"/>
+            </a:xfrm>
+            <a:prstGeom prst="rect">
+              <a:avLst/>
+            </a:prstGeom>
+          </p:spPr>
+        </p:pic>
+        <p:pic>
+          <p:nvPicPr>
+            <p:cNvPr id="13" name="Kép 12">
+              <a:extLst>
+                <a:ext uri="{FF2B5EF4-FFF2-40B4-BE49-F238E27FC236}">
+                  <a16:creationId xmlns:a16="http://schemas.microsoft.com/office/drawing/2014/main" id="{1C98029F-ABD7-4D1D-B056-8768E1337F01}"/>
+                </a:ext>
+              </a:extLst>
+            </p:cNvPr>
+            <p:cNvPicPr>
+              <a:picLocks noChangeAspect="1"/>
+            </p:cNvPicPr>
+            <p:nvPr/>
+          </p:nvPicPr>
+          <p:blipFill>
+            <a:blip r:embed="rId4"/>
+            <a:stretch>
+              <a:fillRect/>
+            </a:stretch>
+          </p:blipFill>
+          <p:spPr>
+            <a:xfrm>
+              <a:off x="8239180" y="3689507"/>
+              <a:ext cx="1958787" cy="308619"/>
+            </a:xfrm>
+            <a:prstGeom prst="rect">
+              <a:avLst/>
+            </a:prstGeom>
+          </p:spPr>
+        </p:pic>
+        <p:sp>
+          <p:nvSpPr>
+            <p:cNvPr id="14" name="Szövegdoboz 13">
+              <a:extLst>
+                <a:ext uri="{FF2B5EF4-FFF2-40B4-BE49-F238E27FC236}">
+                  <a16:creationId xmlns:a16="http://schemas.microsoft.com/office/drawing/2014/main" id="{DBBC518D-414B-4A1B-B771-2082CC77B52F}"/>
+                </a:ext>
+              </a:extLst>
+            </p:cNvPr>
+            <p:cNvSpPr txBox="1"/>
+            <p:nvPr/>
+          </p:nvSpPr>
+          <p:spPr>
+            <a:xfrm>
+              <a:off x="6986380" y="3309086"/>
+              <a:ext cx="1192249" cy="307777"/>
+            </a:xfrm>
+            <a:prstGeom prst="rect">
+              <a:avLst/>
+            </a:prstGeom>
+            <a:noFill/>
+          </p:spPr>
+          <p:txBody>
+            <a:bodyPr wrap="none" rtlCol="0">
+              <a:spAutoFit/>
+            </a:bodyPr>
+            <a:lstStyle/>
+            <a:p>
+              <a:r>
+                <a:rPr lang="hu-HU" sz="1400" dirty="0"/>
+                <a:t>Tematikus idő</a:t>
+              </a:r>
+            </a:p>
+          </p:txBody>
+        </p:sp>
+        <p:sp>
+          <p:nvSpPr>
+            <p:cNvPr id="15" name="Szövegdoboz 14">
+              <a:extLst>
+                <a:ext uri="{FF2B5EF4-FFF2-40B4-BE49-F238E27FC236}">
+                  <a16:creationId xmlns:a16="http://schemas.microsoft.com/office/drawing/2014/main" id="{52810F64-B858-410D-A1BF-112AF7263145}"/>
+                </a:ext>
+              </a:extLst>
+            </p:cNvPr>
+            <p:cNvSpPr txBox="1"/>
+            <p:nvPr/>
+          </p:nvSpPr>
+          <p:spPr>
+            <a:xfrm>
+              <a:off x="7041263" y="3673755"/>
+              <a:ext cx="912429" cy="307777"/>
+            </a:xfrm>
+            <a:prstGeom prst="rect">
+              <a:avLst/>
+            </a:prstGeom>
+            <a:noFill/>
+          </p:spPr>
+          <p:txBody>
+            <a:bodyPr wrap="none" rtlCol="0">
+              <a:spAutoFit/>
+            </a:bodyPr>
+            <a:lstStyle/>
+            <a:p>
+              <a:r>
+                <a:rPr lang="hu-HU" sz="1400" dirty="0"/>
+                <a:t>Villám idő</a:t>
+              </a:r>
+            </a:p>
+          </p:txBody>
+        </p:sp>
+      </p:grpSp>
+      <p:sp>
+        <p:nvSpPr>
+          <p:cNvPr id="30" name="Téglalap: lekerekített 29">
+            <a:extLst>
+              <a:ext uri="{FF2B5EF4-FFF2-40B4-BE49-F238E27FC236}">
+                <a16:creationId xmlns:a16="http://schemas.microsoft.com/office/drawing/2014/main" id="{A5948818-1EE5-4DC7-AF0F-E8221992DE4F}"/>
+              </a:ext>
+            </a:extLst>
+          </p:cNvPr>
+          <p:cNvSpPr/>
+          <p:nvPr/>
+        </p:nvSpPr>
+        <p:spPr>
+          <a:xfrm>
+            <a:off x="5234415" y="1798051"/>
+            <a:ext cx="6592029" cy="4563838"/>
+          </a:xfrm>
+          <a:prstGeom prst="roundRect">
+            <a:avLst/>
+          </a:prstGeom>
+          <a:solidFill>
+            <a:schemeClr val="bg1">
+              <a:lumMod val="85000"/>
+            </a:schemeClr>
+          </a:solidFill>
+          <a:ln>
+            <a:solidFill>
+              <a:schemeClr val="bg1">
+                <a:lumMod val="75000"/>
+              </a:schemeClr>
+            </a:solidFill>
+          </a:ln>
+        </p:spPr>
+        <p:style>
+          <a:lnRef idx="2">
+            <a:schemeClr val="accent1">
+              <a:shade val="50000"/>
+            </a:schemeClr>
+          </a:lnRef>
+          <a:fillRef idx="1">
+            <a:schemeClr val="accent1"/>
+          </a:fillRef>
+          <a:effectRef idx="0">
+            <a:schemeClr val="accent1"/>
+          </a:effectRef>
+          <a:fontRef idx="minor">
+            <a:schemeClr val="lt1"/>
+          </a:fontRef>
+        </p:style>
+        <p:txBody>
+          <a:bodyPr rtlCol="0" anchor="ctr"/>
+          <a:lstStyle/>
+          <a:p>
+            <a:pPr algn="ctr"/>
+            <a:endParaRPr lang="hu-HU" dirty="0"/>
+          </a:p>
+        </p:txBody>
+      </p:sp>
+      <p:sp>
+        <p:nvSpPr>
+          <p:cNvPr id="17" name="Téglalap 16">
+            <a:extLst>
+              <a:ext uri="{FF2B5EF4-FFF2-40B4-BE49-F238E27FC236}">
+                <a16:creationId xmlns:a16="http://schemas.microsoft.com/office/drawing/2014/main" id="{E06AE9E4-6B12-490A-8EB7-ED748E6A3750}"/>
+              </a:ext>
+            </a:extLst>
+          </p:cNvPr>
+          <p:cNvSpPr/>
+          <p:nvPr/>
+        </p:nvSpPr>
+        <p:spPr>
+          <a:xfrm>
+            <a:off x="5338212" y="2879388"/>
+            <a:ext cx="6384434" cy="3044758"/>
+          </a:xfrm>
+          <a:prstGeom prst="rect">
+            <a:avLst/>
+          </a:prstGeom>
+        </p:spPr>
+        <p:style>
+          <a:lnRef idx="2">
+            <a:schemeClr val="accent1">
+              <a:shade val="50000"/>
+            </a:schemeClr>
+          </a:lnRef>
+          <a:fillRef idx="1">
+            <a:schemeClr val="accent1"/>
+          </a:fillRef>
+          <a:effectRef idx="0">
+            <a:schemeClr val="accent1"/>
+          </a:effectRef>
+          <a:fontRef idx="minor">
+            <a:schemeClr val="lt1"/>
+          </a:fontRef>
+        </p:style>
+        <p:txBody>
+          <a:bodyPr rtlCol="0" anchor="ctr"/>
+          <a:lstStyle/>
+          <a:p>
+            <a:pPr algn="ctr"/>
+            <a:r>
+              <a:rPr lang="hu-HU" dirty="0"/>
+              <a:t>Kérdéssorok listája</a:t>
+            </a:r>
+          </a:p>
+        </p:txBody>
+      </p:sp>
+      <p:sp>
+        <p:nvSpPr>
+          <p:cNvPr id="31" name="Téglalap 30">
+            <a:extLst>
+              <a:ext uri="{FF2B5EF4-FFF2-40B4-BE49-F238E27FC236}">
+                <a16:creationId xmlns:a16="http://schemas.microsoft.com/office/drawing/2014/main" id="{BD71C481-3510-4200-85E6-A4E7D3630BE3}"/>
+              </a:ext>
+            </a:extLst>
+          </p:cNvPr>
+          <p:cNvSpPr/>
+          <p:nvPr/>
+        </p:nvSpPr>
+        <p:spPr>
+          <a:xfrm>
+            <a:off x="7929256" y="2037687"/>
+            <a:ext cx="1153461" cy="406955"/>
+          </a:xfrm>
+          <a:prstGeom prst="rect">
+            <a:avLst/>
+          </a:prstGeom>
+          <a:solidFill>
+            <a:schemeClr val="bg2">
+              <a:lumMod val="75000"/>
+            </a:schemeClr>
+          </a:solidFill>
+          <a:ln>
+            <a:solidFill>
+              <a:schemeClr val="bg2">
+                <a:lumMod val="75000"/>
+              </a:schemeClr>
+            </a:solidFill>
+          </a:ln>
+        </p:spPr>
+        <p:style>
+          <a:lnRef idx="2">
+            <a:schemeClr val="accent1">
+              <a:shade val="50000"/>
+            </a:schemeClr>
+          </a:lnRef>
+          <a:fillRef idx="1">
+            <a:schemeClr val="accent1"/>
+          </a:fillRef>
+          <a:effectRef idx="0">
+            <a:schemeClr val="accent1"/>
+          </a:effectRef>
+          <a:fontRef idx="minor">
+            <a:schemeClr val="lt1"/>
+          </a:fontRef>
+        </p:style>
+        <p:txBody>
+          <a:bodyPr rtlCol="0" anchor="ctr"/>
+          <a:lstStyle/>
+          <a:p>
+            <a:pPr algn="ctr"/>
+            <a:r>
+              <a:rPr lang="hu-HU" sz="1200" dirty="0"/>
+              <a:t>Betöltés fájlból</a:t>
+            </a:r>
+          </a:p>
+        </p:txBody>
+      </p:sp>
+      <p:sp>
+        <p:nvSpPr>
+          <p:cNvPr id="32" name="Téglalap 31">
+            <a:extLst>
+              <a:ext uri="{FF2B5EF4-FFF2-40B4-BE49-F238E27FC236}">
+                <a16:creationId xmlns:a16="http://schemas.microsoft.com/office/drawing/2014/main" id="{C7234328-F922-46BC-8855-CA563793BD45}"/>
+              </a:ext>
+            </a:extLst>
+          </p:cNvPr>
+          <p:cNvSpPr/>
+          <p:nvPr/>
+        </p:nvSpPr>
+        <p:spPr>
+          <a:xfrm>
+            <a:off x="5596974" y="2081261"/>
+            <a:ext cx="1969723" cy="319809"/>
+          </a:xfrm>
+          <a:prstGeom prst="rect">
+            <a:avLst/>
+          </a:prstGeom>
+          <a:solidFill>
+            <a:schemeClr val="bg2">
+              <a:lumMod val="75000"/>
+            </a:schemeClr>
+          </a:solidFill>
+          <a:ln>
+            <a:solidFill>
+              <a:schemeClr val="bg2">
+                <a:lumMod val="75000"/>
+              </a:schemeClr>
+            </a:solidFill>
+          </a:ln>
+        </p:spPr>
+        <p:style>
+          <a:lnRef idx="2">
+            <a:schemeClr val="accent1">
+              <a:shade val="50000"/>
+            </a:schemeClr>
+          </a:lnRef>
+          <a:fillRef idx="1">
+            <a:schemeClr val="accent1"/>
+          </a:fillRef>
+          <a:effectRef idx="0">
+            <a:schemeClr val="accent1"/>
+          </a:effectRef>
+          <a:fontRef idx="minor">
+            <a:schemeClr val="lt1"/>
+          </a:fontRef>
+        </p:style>
+        <p:txBody>
+          <a:bodyPr rtlCol="0" anchor="ctr"/>
+          <a:lstStyle/>
+          <a:p>
+            <a:pPr algn="ctr"/>
+            <a:r>
+              <a:rPr lang="hu-HU" sz="1200" dirty="0"/>
+              <a:t>Neubi01</a:t>
+            </a:r>
+          </a:p>
+        </p:txBody>
+      </p:sp>
+      <p:grpSp>
+        <p:nvGrpSpPr>
+          <p:cNvPr id="43" name="Csoportba foglalás 42">
+            <a:extLst>
+              <a:ext uri="{FF2B5EF4-FFF2-40B4-BE49-F238E27FC236}">
+                <a16:creationId xmlns:a16="http://schemas.microsoft.com/office/drawing/2014/main" id="{6FC00832-8668-4457-99B7-A3E2EE48D5BB}"/>
+              </a:ext>
+            </a:extLst>
+          </p:cNvPr>
+          <p:cNvGrpSpPr/>
+          <p:nvPr/>
+        </p:nvGrpSpPr>
+        <p:grpSpPr>
+          <a:xfrm>
+            <a:off x="5338212" y="3008868"/>
+            <a:ext cx="6384434" cy="420132"/>
+            <a:chOff x="207643" y="4032459"/>
+            <a:chExt cx="5037096" cy="420132"/>
+          </a:xfrm>
+        </p:grpSpPr>
+        <p:sp>
+          <p:nvSpPr>
+            <p:cNvPr id="38" name="Téglalap 37">
+              <a:extLst>
+                <a:ext uri="{FF2B5EF4-FFF2-40B4-BE49-F238E27FC236}">
+                  <a16:creationId xmlns:a16="http://schemas.microsoft.com/office/drawing/2014/main" id="{47EFD101-FB40-4874-8FCC-807059578C04}"/>
+                </a:ext>
+              </a:extLst>
+            </p:cNvPr>
+            <p:cNvSpPr/>
+            <p:nvPr/>
+          </p:nvSpPr>
+          <p:spPr>
+            <a:xfrm>
+              <a:off x="207643" y="4032459"/>
+              <a:ext cx="5037096" cy="420132"/>
+            </a:xfrm>
+            <a:prstGeom prst="rect">
+              <a:avLst/>
+            </a:prstGeom>
+            <a:solidFill>
+              <a:schemeClr val="bg1">
+                <a:lumMod val="85000"/>
+              </a:schemeClr>
+            </a:solidFill>
+            <a:ln>
+              <a:noFill/>
+            </a:ln>
+          </p:spPr>
+          <p:style>
+            <a:lnRef idx="2">
+              <a:schemeClr val="accent1">
+                <a:shade val="50000"/>
+              </a:schemeClr>
+            </a:lnRef>
+            <a:fillRef idx="1">
+              <a:schemeClr val="accent1"/>
+            </a:fillRef>
+            <a:effectRef idx="0">
+              <a:schemeClr val="accent1"/>
+            </a:effectRef>
+            <a:fontRef idx="minor">
+              <a:schemeClr val="lt1"/>
+            </a:fontRef>
+          </p:style>
+          <p:txBody>
+            <a:bodyPr rtlCol="0" anchor="ctr"/>
+            <a:lstStyle/>
+            <a:p>
+              <a:pPr algn="ctr"/>
+              <a:endParaRPr lang="hu-HU" dirty="0"/>
+            </a:p>
+          </p:txBody>
+        </p:sp>
+        <p:sp>
+          <p:nvSpPr>
+            <p:cNvPr id="39" name="Szövegdoboz 38">
+              <a:extLst>
+                <a:ext uri="{FF2B5EF4-FFF2-40B4-BE49-F238E27FC236}">
+                  <a16:creationId xmlns:a16="http://schemas.microsoft.com/office/drawing/2014/main" id="{11B49421-93A3-4F57-8755-10C15A0FA8B1}"/>
+                </a:ext>
+              </a:extLst>
+            </p:cNvPr>
+            <p:cNvSpPr txBox="1"/>
+            <p:nvPr/>
+          </p:nvSpPr>
+          <p:spPr>
+            <a:xfrm>
+              <a:off x="274773" y="4052882"/>
+              <a:ext cx="236755" cy="369332"/>
+            </a:xfrm>
+            <a:prstGeom prst="rect">
+              <a:avLst/>
+            </a:prstGeom>
+            <a:noFill/>
+            <a:ln>
+              <a:solidFill>
+                <a:schemeClr val="tx1"/>
+              </a:solidFill>
+            </a:ln>
+          </p:spPr>
+          <p:txBody>
+            <a:bodyPr wrap="none" rtlCol="0">
+              <a:spAutoFit/>
+            </a:bodyPr>
+            <a:lstStyle/>
+            <a:p>
+              <a:pPr algn="ctr"/>
+              <a:r>
+                <a:rPr lang="hu-HU" dirty="0"/>
+                <a:t>&lt;</a:t>
+              </a:r>
+            </a:p>
+          </p:txBody>
+        </p:sp>
+        <p:sp>
+          <p:nvSpPr>
+            <p:cNvPr id="40" name="Szövegdoboz 39">
+              <a:extLst>
+                <a:ext uri="{FF2B5EF4-FFF2-40B4-BE49-F238E27FC236}">
+                  <a16:creationId xmlns:a16="http://schemas.microsoft.com/office/drawing/2014/main" id="{CC621329-0566-4810-88D3-79C29F1044F6}"/>
+                </a:ext>
+              </a:extLst>
+            </p:cNvPr>
+            <p:cNvSpPr txBox="1"/>
+            <p:nvPr/>
+          </p:nvSpPr>
+          <p:spPr>
+            <a:xfrm>
+              <a:off x="1689848" y="4059259"/>
+              <a:ext cx="1005821" cy="369332"/>
+            </a:xfrm>
+            <a:prstGeom prst="rect">
+              <a:avLst/>
+            </a:prstGeom>
+            <a:noFill/>
+          </p:spPr>
+          <p:txBody>
+            <a:bodyPr wrap="none" rtlCol="0">
+              <a:spAutoFit/>
+            </a:bodyPr>
+            <a:lstStyle/>
+            <a:p>
+              <a:pPr algn="ctr"/>
+              <a:r>
+                <a:rPr lang="hu-HU" dirty="0"/>
+                <a:t>Kiss Péter</a:t>
+              </a:r>
+            </a:p>
+          </p:txBody>
+        </p:sp>
+        <p:sp>
+          <p:nvSpPr>
+            <p:cNvPr id="41" name="Szövegdoboz 40">
+              <a:extLst>
+                <a:ext uri="{FF2B5EF4-FFF2-40B4-BE49-F238E27FC236}">
+                  <a16:creationId xmlns:a16="http://schemas.microsoft.com/office/drawing/2014/main" id="{1183384D-BA7B-4598-9CF5-6C61A31DEEE6}"/>
+                </a:ext>
+              </a:extLst>
+            </p:cNvPr>
+            <p:cNvSpPr txBox="1"/>
+            <p:nvPr/>
+          </p:nvSpPr>
+          <p:spPr>
+            <a:xfrm>
+              <a:off x="2745794" y="4057859"/>
+              <a:ext cx="1295421" cy="369332"/>
+            </a:xfrm>
+            <a:prstGeom prst="rect">
+              <a:avLst/>
+            </a:prstGeom>
+            <a:noFill/>
+          </p:spPr>
+          <p:txBody>
+            <a:bodyPr wrap="none" rtlCol="0">
+              <a:spAutoFit/>
+            </a:bodyPr>
+            <a:lstStyle/>
+            <a:p>
+              <a:pPr algn="ctr"/>
+              <a:r>
+                <a:rPr lang="hu-HU" dirty="0"/>
+                <a:t>Filmek, Földrajz</a:t>
+              </a:r>
+            </a:p>
+          </p:txBody>
+        </p:sp>
+        <p:sp>
+          <p:nvSpPr>
+            <p:cNvPr id="42" name="Szövegdoboz 41">
+              <a:extLst>
+                <a:ext uri="{FF2B5EF4-FFF2-40B4-BE49-F238E27FC236}">
+                  <a16:creationId xmlns:a16="http://schemas.microsoft.com/office/drawing/2014/main" id="{2023AEE0-DB84-484F-A1FF-F13B5330C10F}"/>
+                </a:ext>
+              </a:extLst>
+            </p:cNvPr>
+            <p:cNvSpPr txBox="1"/>
+            <p:nvPr/>
+          </p:nvSpPr>
+          <p:spPr>
+            <a:xfrm>
+              <a:off x="4015524" y="4083259"/>
+              <a:ext cx="1142401" cy="369332"/>
+            </a:xfrm>
+            <a:prstGeom prst="rect">
+              <a:avLst/>
+            </a:prstGeom>
+            <a:noFill/>
+          </p:spPr>
+          <p:txBody>
+            <a:bodyPr wrap="none" rtlCol="0">
+              <a:spAutoFit/>
+            </a:bodyPr>
+            <a:lstStyle/>
+            <a:p>
+              <a:pPr algn="ctr"/>
+              <a:r>
+                <a:rPr lang="hu-HU" dirty="0"/>
+                <a:t>2022.10.03</a:t>
+              </a:r>
+            </a:p>
+          </p:txBody>
+        </p:sp>
+        <p:sp>
+          <p:nvSpPr>
+            <p:cNvPr id="44" name="Szövegdoboz 43">
+              <a:extLst>
+                <a:ext uri="{FF2B5EF4-FFF2-40B4-BE49-F238E27FC236}">
+                  <a16:creationId xmlns:a16="http://schemas.microsoft.com/office/drawing/2014/main" id="{2EC2F9D5-5491-42BD-B21D-1A02871FA4FA}"/>
+                </a:ext>
+              </a:extLst>
+            </p:cNvPr>
+            <p:cNvSpPr txBox="1"/>
+            <p:nvPr/>
+          </p:nvSpPr>
+          <p:spPr>
+            <a:xfrm>
+              <a:off x="794273" y="4074170"/>
+              <a:ext cx="612830" cy="369332"/>
+            </a:xfrm>
+            <a:prstGeom prst="rect">
+              <a:avLst/>
+            </a:prstGeom>
+            <a:noFill/>
+          </p:spPr>
+          <p:txBody>
+            <a:bodyPr wrap="none" rtlCol="0">
+              <a:spAutoFit/>
+            </a:bodyPr>
+            <a:lstStyle/>
+            <a:p>
+              <a:pPr algn="ctr"/>
+              <a:r>
+                <a:rPr lang="hu-HU" dirty="0"/>
+                <a:t>Peti01</a:t>
+              </a:r>
+            </a:p>
+          </p:txBody>
+        </p:sp>
+      </p:grpSp>
+      <p:sp>
+        <p:nvSpPr>
+          <p:cNvPr id="47" name="Téglalap 46">
+            <a:extLst>
+              <a:ext uri="{FF2B5EF4-FFF2-40B4-BE49-F238E27FC236}">
+                <a16:creationId xmlns:a16="http://schemas.microsoft.com/office/drawing/2014/main" id="{77FAE6FF-0456-45EB-8B9F-6FA66AC9A718}"/>
+              </a:ext>
+            </a:extLst>
+          </p:cNvPr>
+          <p:cNvSpPr/>
+          <p:nvPr/>
+        </p:nvSpPr>
+        <p:spPr>
+          <a:xfrm>
+            <a:off x="9986740" y="2109019"/>
+            <a:ext cx="1153461" cy="406955"/>
+          </a:xfrm>
+          <a:prstGeom prst="rect">
+            <a:avLst/>
+          </a:prstGeom>
+          <a:solidFill>
+            <a:schemeClr val="bg2">
+              <a:lumMod val="75000"/>
+            </a:schemeClr>
+          </a:solidFill>
+          <a:ln>
+            <a:solidFill>
+              <a:schemeClr val="bg2">
+                <a:lumMod val="75000"/>
+              </a:schemeClr>
+            </a:solidFill>
+          </a:ln>
+        </p:spPr>
+        <p:style>
+          <a:lnRef idx="2">
+            <a:schemeClr val="accent1">
+              <a:shade val="50000"/>
+            </a:schemeClr>
+          </a:lnRef>
+          <a:fillRef idx="1">
+            <a:schemeClr val="accent1"/>
+          </a:fillRef>
+          <a:effectRef idx="0">
+            <a:schemeClr val="accent1"/>
+          </a:effectRef>
+          <a:fontRef idx="minor">
+            <a:schemeClr val="lt1"/>
+          </a:fontRef>
+        </p:style>
+        <p:txBody>
+          <a:bodyPr rtlCol="0" anchor="ctr"/>
+          <a:lstStyle/>
+          <a:p>
+            <a:pPr algn="ctr"/>
+            <a:r>
+              <a:rPr lang="hu-HU" sz="1200" dirty="0"/>
+              <a:t>Start!</a:t>
+            </a:r>
+          </a:p>
+        </p:txBody>
+      </p:sp>
+    </p:spTree>
+    <p:extLst>
+      <p:ext uri="{BB962C8B-B14F-4D97-AF65-F5344CB8AC3E}">
+        <p14:creationId xmlns:p14="http://schemas.microsoft.com/office/powerpoint/2010/main" val="2524276973"/>
+      </p:ext>
+    </p:extLst>
+  </p:cSld>
+  <p:clrMapOvr>
+    <a:masterClrMapping/>
+  </p:clrMapOvr>
+</p:sld>
+</file>
+
+<file path=ppt/slides/slide16.xml><?xml version="1.0" encoding="utf-8"?>
+<p:sld xmlns:a="http://schemas.openxmlformats.org/drawingml/2006/main" xmlns:r="http://schemas.openxmlformats.org/officeDocument/2006/relationships" xmlns:p="http://schemas.openxmlformats.org/presentationml/2006/main">
+  <p:cSld>
+    <p:spTree>
+      <p:nvGrpSpPr>
+        <p:cNvPr id="1" name=""/>
+        <p:cNvGrpSpPr/>
+        <p:nvPr/>
+      </p:nvGrpSpPr>
+      <p:grpSpPr>
+        <a:xfrm>
+          <a:off x="0" y="0"/>
+          <a:ext cx="0" cy="0"/>
+          <a:chOff x="0" y="0"/>
+          <a:chExt cx="0" cy="0"/>
+        </a:xfrm>
+      </p:grpSpPr>
       <p:sp>
         <p:nvSpPr>
           <p:cNvPr id="2" name="Cím 1">
@@ -11324,7 +12365,7 @@
 </p:sld>
 </file>
 
-<file path=ppt/slides/slide16.xml><?xml version="1.0" encoding="utf-8"?>
+<file path=ppt/slides/slide17.xml><?xml version="1.0" encoding="utf-8"?>
 <p:sld xmlns:a="http://schemas.openxmlformats.org/drawingml/2006/main" xmlns:r="http://schemas.openxmlformats.org/officeDocument/2006/relationships" xmlns:p="http://schemas.openxmlformats.org/presentationml/2006/main">
   <p:cSld>
     <p:spTree>
@@ -11382,7 +12423,7 @@
 </p:sld>
 </file>
 
-<file path=ppt/slides/slide17.xml><?xml version="1.0" encoding="utf-8"?>
+<file path=ppt/slides/slide18.xml><?xml version="1.0" encoding="utf-8"?>
 <p:sld xmlns:a="http://schemas.openxmlformats.org/drawingml/2006/main" xmlns:r="http://schemas.openxmlformats.org/officeDocument/2006/relationships" xmlns:p="http://schemas.openxmlformats.org/presentationml/2006/main">
   <p:cSld>
     <p:spTree>
@@ -11496,7 +12537,7 @@
 </p:sld>
 </file>
 
-<file path=ppt/slides/slide18.xml><?xml version="1.0" encoding="utf-8"?>
+<file path=ppt/slides/slide19.xml><?xml version="1.0" encoding="utf-8"?>
 <p:sld xmlns:a="http://schemas.openxmlformats.org/drawingml/2006/main" xmlns:r="http://schemas.openxmlformats.org/officeDocument/2006/relationships" xmlns:p="http://schemas.openxmlformats.org/presentationml/2006/main">
   <p:cSld>
     <p:spTree>
@@ -11619,7 +12660,1336 @@
 </p:sld>
 </file>
 
-<file path=ppt/slides/slide19.xml><?xml version="1.0" encoding="utf-8"?>
+<file path=ppt/slides/slide2.xml><?xml version="1.0" encoding="utf-8"?>
+<p:sld xmlns:a="http://schemas.openxmlformats.org/drawingml/2006/main" xmlns:r="http://schemas.openxmlformats.org/officeDocument/2006/relationships" xmlns:p="http://schemas.openxmlformats.org/presentationml/2006/main">
+  <p:cSld>
+    <p:spTree>
+      <p:nvGrpSpPr>
+        <p:cNvPr id="1" name=""/>
+        <p:cNvGrpSpPr/>
+        <p:nvPr/>
+      </p:nvGrpSpPr>
+      <p:grpSpPr>
+        <a:xfrm>
+          <a:off x="0" y="0"/>
+          <a:ext cx="0" cy="0"/>
+          <a:chOff x="0" y="0"/>
+          <a:chExt cx="0" cy="0"/>
+        </a:xfrm>
+      </p:grpSpPr>
+      <p:sp>
+        <p:nvSpPr>
+          <p:cNvPr id="2" name="Ellipszis 1">
+            <a:hlinkClick r:id="rId2" action="ppaction://hlinksldjump"/>
+            <a:extLst>
+              <a:ext uri="{FF2B5EF4-FFF2-40B4-BE49-F238E27FC236}">
+                <a16:creationId xmlns:a16="http://schemas.microsoft.com/office/drawing/2014/main" id="{B93444FA-7758-4E71-9400-224B503BF8AB}"/>
+              </a:ext>
+            </a:extLst>
+          </p:cNvPr>
+          <p:cNvSpPr/>
+          <p:nvPr/>
+        </p:nvSpPr>
+        <p:spPr>
+          <a:xfrm>
+            <a:off x="-2831069" y="2603673"/>
+            <a:ext cx="2347273" cy="1121790"/>
+          </a:xfrm>
+          <a:prstGeom prst="ellipse">
+            <a:avLst/>
+          </a:prstGeom>
+          <a:solidFill>
+            <a:srgbClr val="F983AD"/>
+          </a:solidFill>
+        </p:spPr>
+        <p:style>
+          <a:lnRef idx="2">
+            <a:schemeClr val="accent1">
+              <a:shade val="50000"/>
+            </a:schemeClr>
+          </a:lnRef>
+          <a:fillRef idx="1">
+            <a:schemeClr val="accent1"/>
+          </a:fillRef>
+          <a:effectRef idx="0">
+            <a:schemeClr val="accent1"/>
+          </a:effectRef>
+          <a:fontRef idx="minor">
+            <a:schemeClr val="lt1"/>
+          </a:fontRef>
+        </p:style>
+        <p:txBody>
+          <a:bodyPr rtlCol="0" anchor="ctr"/>
+          <a:lstStyle/>
+          <a:p>
+            <a:pPr algn="ctr"/>
+            <a:r>
+              <a:rPr lang="hu-HU" dirty="0"/>
+              <a:t>Kezdőképernyő</a:t>
+            </a:r>
+          </a:p>
+        </p:txBody>
+      </p:sp>
+      <p:sp>
+        <p:nvSpPr>
+          <p:cNvPr id="40" name="Ellipszis 39">
+            <a:hlinkClick r:id="rId3" action="ppaction://hlinksldjump"/>
+            <a:extLst>
+              <a:ext uri="{FF2B5EF4-FFF2-40B4-BE49-F238E27FC236}">
+                <a16:creationId xmlns:a16="http://schemas.microsoft.com/office/drawing/2014/main" id="{41C8DA4B-A5A3-4651-9C47-144FB32F7FFB}"/>
+              </a:ext>
+            </a:extLst>
+          </p:cNvPr>
+          <p:cNvSpPr/>
+          <p:nvPr/>
+        </p:nvSpPr>
+        <p:spPr>
+          <a:xfrm>
+            <a:off x="4562425" y="-70619"/>
+            <a:ext cx="2254579" cy="1121790"/>
+          </a:xfrm>
+          <a:prstGeom prst="ellipse">
+            <a:avLst/>
+          </a:prstGeom>
+        </p:spPr>
+        <p:style>
+          <a:lnRef idx="2">
+            <a:schemeClr val="accent1">
+              <a:shade val="50000"/>
+            </a:schemeClr>
+          </a:lnRef>
+          <a:fillRef idx="1">
+            <a:schemeClr val="accent1"/>
+          </a:fillRef>
+          <a:effectRef idx="0">
+            <a:schemeClr val="accent1"/>
+          </a:effectRef>
+          <a:fontRef idx="minor">
+            <a:schemeClr val="lt1"/>
+          </a:fontRef>
+        </p:style>
+        <p:txBody>
+          <a:bodyPr rtlCol="0" anchor="ctr"/>
+          <a:lstStyle/>
+          <a:p>
+            <a:pPr algn="ctr"/>
+            <a:r>
+              <a:rPr lang="hu-HU" dirty="0"/>
+              <a:t>Játék állása</a:t>
+            </a:r>
+          </a:p>
+        </p:txBody>
+      </p:sp>
+      <p:grpSp>
+        <p:nvGrpSpPr>
+          <p:cNvPr id="126" name="Csoportba foglalás 125">
+            <a:extLst>
+              <a:ext uri="{FF2B5EF4-FFF2-40B4-BE49-F238E27FC236}">
+                <a16:creationId xmlns:a16="http://schemas.microsoft.com/office/drawing/2014/main" id="{1E3AE7C4-204F-40ED-951D-CC9D6C8187C0}"/>
+              </a:ext>
+            </a:extLst>
+          </p:cNvPr>
+          <p:cNvGrpSpPr/>
+          <p:nvPr/>
+        </p:nvGrpSpPr>
+        <p:grpSpPr>
+          <a:xfrm>
+            <a:off x="8265292" y="-2453640"/>
+            <a:ext cx="6273119" cy="5278904"/>
+            <a:chOff x="1599627" y="1048575"/>
+            <a:chExt cx="6273119" cy="5962609"/>
+          </a:xfrm>
+        </p:grpSpPr>
+        <p:grpSp>
+          <p:nvGrpSpPr>
+            <p:cNvPr id="104" name="Csoportba foglalás 103">
+              <a:extLst>
+                <a:ext uri="{FF2B5EF4-FFF2-40B4-BE49-F238E27FC236}">
+                  <a16:creationId xmlns:a16="http://schemas.microsoft.com/office/drawing/2014/main" id="{D5D07485-4DF5-4A45-93F3-DC195A74A2CE}"/>
+                </a:ext>
+              </a:extLst>
+            </p:cNvPr>
+            <p:cNvGrpSpPr/>
+            <p:nvPr/>
+          </p:nvGrpSpPr>
+          <p:grpSpPr>
+            <a:xfrm>
+              <a:off x="1599627" y="1048575"/>
+              <a:ext cx="6273119" cy="5962609"/>
+              <a:chOff x="5805801" y="573326"/>
+              <a:chExt cx="1506375" cy="5962609"/>
+            </a:xfrm>
+          </p:grpSpPr>
+          <p:sp>
+            <p:nvSpPr>
+              <p:cNvPr id="105" name="Téglalap 104">
+                <a:extLst>
+                  <a:ext uri="{FF2B5EF4-FFF2-40B4-BE49-F238E27FC236}">
+                    <a16:creationId xmlns:a16="http://schemas.microsoft.com/office/drawing/2014/main" id="{53092016-6B17-46D8-9432-FBA2429DBD3D}"/>
+                  </a:ext>
+                </a:extLst>
+              </p:cNvPr>
+              <p:cNvSpPr/>
+              <p:nvPr/>
+            </p:nvSpPr>
+            <p:spPr>
+              <a:xfrm>
+                <a:off x="5805801" y="573326"/>
+                <a:ext cx="1506375" cy="5962609"/>
+              </a:xfrm>
+              <a:prstGeom prst="rect">
+                <a:avLst/>
+              </a:prstGeom>
+              <a:solidFill>
+                <a:srgbClr val="90F4D0"/>
+              </a:solidFill>
+            </p:spPr>
+            <p:style>
+              <a:lnRef idx="2">
+                <a:schemeClr val="accent1">
+                  <a:shade val="50000"/>
+                </a:schemeClr>
+              </a:lnRef>
+              <a:fillRef idx="1">
+                <a:schemeClr val="accent1"/>
+              </a:fillRef>
+              <a:effectRef idx="0">
+                <a:schemeClr val="accent1"/>
+              </a:effectRef>
+              <a:fontRef idx="minor">
+                <a:schemeClr val="lt1"/>
+              </a:fontRef>
+            </p:style>
+            <p:txBody>
+              <a:bodyPr rtlCol="0" anchor="ctr"/>
+              <a:lstStyle/>
+              <a:p>
+                <a:pPr algn="ctr"/>
+                <a:endParaRPr lang="hu-HU"/>
+              </a:p>
+            </p:txBody>
+          </p:sp>
+          <p:sp>
+            <p:nvSpPr>
+              <p:cNvPr id="109" name="Szövegdoboz 108">
+                <a:extLst>
+                  <a:ext uri="{FF2B5EF4-FFF2-40B4-BE49-F238E27FC236}">
+                    <a16:creationId xmlns:a16="http://schemas.microsoft.com/office/drawing/2014/main" id="{7D3C2E77-804D-44CE-A7A1-6C4D4D7CB639}"/>
+                  </a:ext>
+                </a:extLst>
+              </p:cNvPr>
+              <p:cNvSpPr txBox="1"/>
+              <p:nvPr/>
+            </p:nvSpPr>
+            <p:spPr>
+              <a:xfrm>
+                <a:off x="5977030" y="680973"/>
+                <a:ext cx="608693" cy="461665"/>
+              </a:xfrm>
+              <a:prstGeom prst="rect">
+                <a:avLst/>
+              </a:prstGeom>
+              <a:noFill/>
+            </p:spPr>
+            <p:txBody>
+              <a:bodyPr wrap="none" rtlCol="0">
+                <a:spAutoFit/>
+              </a:bodyPr>
+              <a:lstStyle/>
+              <a:p>
+                <a:r>
+                  <a:rPr lang="hu-HU" sz="2400" dirty="0"/>
+                  <a:t>Kör</a:t>
+                </a:r>
+              </a:p>
+            </p:txBody>
+          </p:sp>
+        </p:grpSp>
+        <p:sp>
+          <p:nvSpPr>
+            <p:cNvPr id="49" name="Ellipszis 48">
+              <a:hlinkClick r:id="rId4" action="ppaction://hlinksldjump"/>
+              <a:extLst>
+                <a:ext uri="{FF2B5EF4-FFF2-40B4-BE49-F238E27FC236}">
+                  <a16:creationId xmlns:a16="http://schemas.microsoft.com/office/drawing/2014/main" id="{712E0FE7-B566-4394-A1B8-4C37355FDE47}"/>
+                </a:ext>
+              </a:extLst>
+            </p:cNvPr>
+            <p:cNvSpPr/>
+            <p:nvPr/>
+          </p:nvSpPr>
+          <p:spPr>
+            <a:xfrm>
+              <a:off x="2277026" y="2532312"/>
+              <a:ext cx="1727998" cy="1121790"/>
+            </a:xfrm>
+            <a:prstGeom prst="ellipse">
+              <a:avLst/>
+            </a:prstGeom>
+          </p:spPr>
+          <p:style>
+            <a:lnRef idx="2">
+              <a:schemeClr val="accent1">
+                <a:shade val="50000"/>
+              </a:schemeClr>
+            </a:lnRef>
+            <a:fillRef idx="1">
+              <a:schemeClr val="accent1"/>
+            </a:fillRef>
+            <a:effectRef idx="0">
+              <a:schemeClr val="accent1"/>
+            </a:effectRef>
+            <a:fontRef idx="minor">
+              <a:schemeClr val="lt1"/>
+            </a:fontRef>
+          </p:style>
+          <p:txBody>
+            <a:bodyPr rtlCol="0" anchor="ctr"/>
+            <a:lstStyle/>
+            <a:p>
+              <a:pPr algn="ctr"/>
+              <a:r>
+                <a:rPr lang="hu-HU" dirty="0"/>
+                <a:t>Tematikus</a:t>
+              </a:r>
+            </a:p>
+          </p:txBody>
+        </p:sp>
+        <p:sp>
+          <p:nvSpPr>
+            <p:cNvPr id="50" name="Ellipszis 49">
+              <a:extLst>
+                <a:ext uri="{FF2B5EF4-FFF2-40B4-BE49-F238E27FC236}">
+                  <a16:creationId xmlns:a16="http://schemas.microsoft.com/office/drawing/2014/main" id="{030D42C6-B808-4702-8359-4E0D54575364}"/>
+                </a:ext>
+              </a:extLst>
+            </p:cNvPr>
+            <p:cNvSpPr/>
+            <p:nvPr/>
+          </p:nvSpPr>
+          <p:spPr>
+            <a:xfrm>
+              <a:off x="6512870" y="2785842"/>
+              <a:ext cx="1096581" cy="1121790"/>
+            </a:xfrm>
+            <a:prstGeom prst="ellipse">
+              <a:avLst/>
+            </a:prstGeom>
+          </p:spPr>
+          <p:style>
+            <a:lnRef idx="2">
+              <a:schemeClr val="accent1">
+                <a:shade val="50000"/>
+              </a:schemeClr>
+            </a:lnRef>
+            <a:fillRef idx="1">
+              <a:schemeClr val="accent1"/>
+            </a:fillRef>
+            <a:effectRef idx="0">
+              <a:schemeClr val="accent1"/>
+            </a:effectRef>
+            <a:fontRef idx="minor">
+              <a:schemeClr val="lt1"/>
+            </a:fontRef>
+          </p:style>
+          <p:txBody>
+            <a:bodyPr rtlCol="0" anchor="ctr"/>
+            <a:lstStyle/>
+            <a:p>
+              <a:pPr algn="ctr"/>
+              <a:r>
+                <a:rPr lang="hu-HU" dirty="0"/>
+                <a:t>Villám</a:t>
+              </a:r>
+            </a:p>
+          </p:txBody>
+        </p:sp>
+        <p:sp>
+          <p:nvSpPr>
+            <p:cNvPr id="51" name="Ellipszis 50">
+              <a:extLst>
+                <a:ext uri="{FF2B5EF4-FFF2-40B4-BE49-F238E27FC236}">
+                  <a16:creationId xmlns:a16="http://schemas.microsoft.com/office/drawing/2014/main" id="{7978E54A-51AA-4B77-BE32-51E0972658DE}"/>
+                </a:ext>
+              </a:extLst>
+            </p:cNvPr>
+            <p:cNvSpPr/>
+            <p:nvPr/>
+          </p:nvSpPr>
+          <p:spPr>
+            <a:xfrm>
+              <a:off x="1824851" y="5194976"/>
+              <a:ext cx="1520416" cy="1121790"/>
+            </a:xfrm>
+            <a:prstGeom prst="ellipse">
+              <a:avLst/>
+            </a:prstGeom>
+          </p:spPr>
+          <p:style>
+            <a:lnRef idx="2">
+              <a:schemeClr val="accent1">
+                <a:shade val="50000"/>
+              </a:schemeClr>
+            </a:lnRef>
+            <a:fillRef idx="1">
+              <a:schemeClr val="accent1"/>
+            </a:fillRef>
+            <a:effectRef idx="0">
+              <a:schemeClr val="accent1"/>
+            </a:effectRef>
+            <a:fontRef idx="minor">
+              <a:schemeClr val="lt1"/>
+            </a:fontRef>
+          </p:style>
+          <p:txBody>
+            <a:bodyPr rtlCol="0" anchor="ctr"/>
+            <a:lstStyle/>
+            <a:p>
+              <a:pPr algn="ctr"/>
+              <a:r>
+                <a:rPr lang="hu-HU" dirty="0"/>
+                <a:t>Kör vége</a:t>
+              </a:r>
+            </a:p>
+          </p:txBody>
+        </p:sp>
+        <p:sp>
+          <p:nvSpPr>
+            <p:cNvPr id="53" name="Ellipszis 52">
+              <a:extLst>
+                <a:ext uri="{FF2B5EF4-FFF2-40B4-BE49-F238E27FC236}">
+                  <a16:creationId xmlns:a16="http://schemas.microsoft.com/office/drawing/2014/main" id="{8118ACD5-A8F6-40B1-A564-9BE26E64C200}"/>
+                </a:ext>
+              </a:extLst>
+            </p:cNvPr>
+            <p:cNvSpPr/>
+            <p:nvPr/>
+          </p:nvSpPr>
+          <p:spPr>
+            <a:xfrm>
+              <a:off x="5212702" y="5248463"/>
+              <a:ext cx="2122604" cy="1121790"/>
+            </a:xfrm>
+            <a:prstGeom prst="ellipse">
+              <a:avLst/>
+            </a:prstGeom>
+          </p:spPr>
+          <p:style>
+            <a:lnRef idx="2">
+              <a:schemeClr val="accent1">
+                <a:shade val="50000"/>
+              </a:schemeClr>
+            </a:lnRef>
+            <a:fillRef idx="1">
+              <a:schemeClr val="accent1"/>
+            </a:fillRef>
+            <a:effectRef idx="0">
+              <a:schemeClr val="accent1"/>
+            </a:effectRef>
+            <a:fontRef idx="minor">
+              <a:schemeClr val="lt1"/>
+            </a:fontRef>
+          </p:style>
+          <p:txBody>
+            <a:bodyPr rtlCol="0" anchor="ctr"/>
+            <a:lstStyle/>
+            <a:p>
+              <a:pPr algn="ctr"/>
+              <a:r>
+                <a:rPr lang="hu-HU" dirty="0"/>
+                <a:t>Kör beállításai</a:t>
+              </a:r>
+            </a:p>
+          </p:txBody>
+        </p:sp>
+        <p:cxnSp>
+          <p:nvCxnSpPr>
+            <p:cNvPr id="54" name="Egyenes összekötő nyíllal 53">
+              <a:extLst>
+                <a:ext uri="{FF2B5EF4-FFF2-40B4-BE49-F238E27FC236}">
+                  <a16:creationId xmlns:a16="http://schemas.microsoft.com/office/drawing/2014/main" id="{77769E6E-5655-49E4-B005-4EB81129EBB2}"/>
+                </a:ext>
+              </a:extLst>
+            </p:cNvPr>
+            <p:cNvCxnSpPr>
+              <a:cxnSpLocks/>
+              <a:stCxn id="49" idx="4"/>
+              <a:endCxn id="51" idx="0"/>
+            </p:cNvCxnSpPr>
+            <p:nvPr/>
+          </p:nvCxnSpPr>
+          <p:spPr>
+            <a:xfrm flipH="1">
+              <a:off x="2585059" y="3654102"/>
+              <a:ext cx="555966" cy="1540874"/>
+            </a:xfrm>
+            <a:prstGeom prst="straightConnector1">
+              <a:avLst/>
+            </a:prstGeom>
+            <a:ln w="57150">
+              <a:solidFill>
+                <a:schemeClr val="tx1">
+                  <a:lumMod val="65000"/>
+                  <a:lumOff val="35000"/>
+                </a:schemeClr>
+              </a:solidFill>
+              <a:tailEnd type="triangle"/>
+            </a:ln>
+          </p:spPr>
+          <p:style>
+            <a:lnRef idx="1">
+              <a:schemeClr val="accent1"/>
+            </a:lnRef>
+            <a:fillRef idx="0">
+              <a:schemeClr val="accent1"/>
+            </a:fillRef>
+            <a:effectRef idx="0">
+              <a:schemeClr val="accent1"/>
+            </a:effectRef>
+            <a:fontRef idx="minor">
+              <a:schemeClr val="tx1"/>
+            </a:fontRef>
+          </p:style>
+        </p:cxnSp>
+        <p:cxnSp>
+          <p:nvCxnSpPr>
+            <p:cNvPr id="57" name="Egyenes összekötő nyíllal 56">
+              <a:extLst>
+                <a:ext uri="{FF2B5EF4-FFF2-40B4-BE49-F238E27FC236}">
+                  <a16:creationId xmlns:a16="http://schemas.microsoft.com/office/drawing/2014/main" id="{FE7BA49D-191F-4351-8AA9-2C1313935B13}"/>
+                </a:ext>
+              </a:extLst>
+            </p:cNvPr>
+            <p:cNvCxnSpPr>
+              <a:cxnSpLocks/>
+              <a:stCxn id="50" idx="4"/>
+              <a:endCxn id="51" idx="7"/>
+            </p:cNvCxnSpPr>
+            <p:nvPr/>
+          </p:nvCxnSpPr>
+          <p:spPr>
+            <a:xfrm flipH="1">
+              <a:off x="3122607" y="3907632"/>
+              <a:ext cx="3938554" cy="1451626"/>
+            </a:xfrm>
+            <a:prstGeom prst="straightConnector1">
+              <a:avLst/>
+            </a:prstGeom>
+            <a:ln w="57150">
+              <a:solidFill>
+                <a:schemeClr val="tx1">
+                  <a:lumMod val="65000"/>
+                  <a:lumOff val="35000"/>
+                </a:schemeClr>
+              </a:solidFill>
+              <a:tailEnd type="triangle"/>
+            </a:ln>
+          </p:spPr>
+          <p:style>
+            <a:lnRef idx="1">
+              <a:schemeClr val="accent1"/>
+            </a:lnRef>
+            <a:fillRef idx="0">
+              <a:schemeClr val="accent1"/>
+            </a:fillRef>
+            <a:effectRef idx="0">
+              <a:schemeClr val="accent1"/>
+            </a:effectRef>
+            <a:fontRef idx="minor">
+              <a:schemeClr val="tx1"/>
+            </a:fontRef>
+          </p:style>
+        </p:cxnSp>
+        <p:cxnSp>
+          <p:nvCxnSpPr>
+            <p:cNvPr id="60" name="Egyenes összekötő nyíllal 59">
+              <a:extLst>
+                <a:ext uri="{FF2B5EF4-FFF2-40B4-BE49-F238E27FC236}">
+                  <a16:creationId xmlns:a16="http://schemas.microsoft.com/office/drawing/2014/main" id="{D9CFBD88-1A0C-4834-8696-3BA6B97843A0}"/>
+                </a:ext>
+              </a:extLst>
+            </p:cNvPr>
+            <p:cNvCxnSpPr>
+              <a:cxnSpLocks/>
+              <a:stCxn id="49" idx="5"/>
+              <a:endCxn id="53" idx="1"/>
+            </p:cNvCxnSpPr>
+            <p:nvPr/>
+          </p:nvCxnSpPr>
+          <p:spPr>
+            <a:xfrm>
+              <a:off x="3751965" y="3489820"/>
+              <a:ext cx="1771585" cy="1922925"/>
+            </a:xfrm>
+            <a:prstGeom prst="straightConnector1">
+              <a:avLst/>
+            </a:prstGeom>
+            <a:ln w="57150">
+              <a:solidFill>
+                <a:schemeClr val="tx1">
+                  <a:lumMod val="65000"/>
+                  <a:lumOff val="35000"/>
+                </a:schemeClr>
+              </a:solidFill>
+              <a:headEnd type="triangle"/>
+              <a:tailEnd type="triangle"/>
+            </a:ln>
+          </p:spPr>
+          <p:style>
+            <a:lnRef idx="1">
+              <a:schemeClr val="accent1"/>
+            </a:lnRef>
+            <a:fillRef idx="0">
+              <a:schemeClr val="accent1"/>
+            </a:fillRef>
+            <a:effectRef idx="0">
+              <a:schemeClr val="accent1"/>
+            </a:effectRef>
+            <a:fontRef idx="minor">
+              <a:schemeClr val="tx1"/>
+            </a:fontRef>
+          </p:style>
+        </p:cxnSp>
+        <p:cxnSp>
+          <p:nvCxnSpPr>
+            <p:cNvPr id="63" name="Egyenes összekötő nyíllal 62">
+              <a:extLst>
+                <a:ext uri="{FF2B5EF4-FFF2-40B4-BE49-F238E27FC236}">
+                  <a16:creationId xmlns:a16="http://schemas.microsoft.com/office/drawing/2014/main" id="{630FFA57-E36B-428E-9940-9ACFAA63F724}"/>
+                </a:ext>
+              </a:extLst>
+            </p:cNvPr>
+            <p:cNvCxnSpPr>
+              <a:cxnSpLocks/>
+              <a:stCxn id="50" idx="4"/>
+              <a:endCxn id="53" idx="0"/>
+            </p:cNvCxnSpPr>
+            <p:nvPr/>
+          </p:nvCxnSpPr>
+          <p:spPr>
+            <a:xfrm flipH="1">
+              <a:off x="6274004" y="3907632"/>
+              <a:ext cx="787157" cy="1340831"/>
+            </a:xfrm>
+            <a:prstGeom prst="straightConnector1">
+              <a:avLst/>
+            </a:prstGeom>
+            <a:ln w="57150">
+              <a:solidFill>
+                <a:schemeClr val="tx1">
+                  <a:lumMod val="65000"/>
+                  <a:lumOff val="35000"/>
+                </a:schemeClr>
+              </a:solidFill>
+              <a:headEnd type="triangle"/>
+              <a:tailEnd type="triangle"/>
+            </a:ln>
+          </p:spPr>
+          <p:style>
+            <a:lnRef idx="1">
+              <a:schemeClr val="accent1"/>
+            </a:lnRef>
+            <a:fillRef idx="0">
+              <a:schemeClr val="accent1"/>
+            </a:fillRef>
+            <a:effectRef idx="0">
+              <a:schemeClr val="accent1"/>
+            </a:effectRef>
+            <a:fontRef idx="minor">
+              <a:schemeClr val="tx1"/>
+            </a:fontRef>
+          </p:style>
+        </p:cxnSp>
+        <p:cxnSp>
+          <p:nvCxnSpPr>
+            <p:cNvPr id="70" name="Egyenes összekötő nyíllal 69">
+              <a:extLst>
+                <a:ext uri="{FF2B5EF4-FFF2-40B4-BE49-F238E27FC236}">
+                  <a16:creationId xmlns:a16="http://schemas.microsoft.com/office/drawing/2014/main" id="{7297BDD0-6ED7-443B-A5EE-C4BB34DF28A0}"/>
+                </a:ext>
+              </a:extLst>
+            </p:cNvPr>
+            <p:cNvCxnSpPr>
+              <a:cxnSpLocks/>
+              <a:stCxn id="49" idx="6"/>
+              <a:endCxn id="50" idx="1"/>
+            </p:cNvCxnSpPr>
+            <p:nvPr/>
+          </p:nvCxnSpPr>
+          <p:spPr>
+            <a:xfrm flipV="1">
+              <a:off x="4005024" y="2950124"/>
+              <a:ext cx="2668437" cy="143083"/>
+            </a:xfrm>
+            <a:prstGeom prst="straightConnector1">
+              <a:avLst/>
+            </a:prstGeom>
+            <a:ln w="57150">
+              <a:solidFill>
+                <a:schemeClr val="tx1">
+                  <a:lumMod val="65000"/>
+                  <a:lumOff val="35000"/>
+                </a:schemeClr>
+              </a:solidFill>
+              <a:tailEnd type="triangle"/>
+            </a:ln>
+          </p:spPr>
+          <p:style>
+            <a:lnRef idx="1">
+              <a:schemeClr val="accent1"/>
+            </a:lnRef>
+            <a:fillRef idx="0">
+              <a:schemeClr val="accent1"/>
+            </a:fillRef>
+            <a:effectRef idx="0">
+              <a:schemeClr val="accent1"/>
+            </a:effectRef>
+            <a:fontRef idx="minor">
+              <a:schemeClr val="tx1"/>
+            </a:fontRef>
+          </p:style>
+        </p:cxnSp>
+      </p:grpSp>
+      <p:grpSp>
+        <p:nvGrpSpPr>
+          <p:cNvPr id="137" name="Csoportba foglalás 136">
+            <a:extLst>
+              <a:ext uri="{FF2B5EF4-FFF2-40B4-BE49-F238E27FC236}">
+                <a16:creationId xmlns:a16="http://schemas.microsoft.com/office/drawing/2014/main" id="{5C462B19-A5F1-4F59-ABBE-630D33854AB5}"/>
+              </a:ext>
+            </a:extLst>
+          </p:cNvPr>
+          <p:cNvGrpSpPr/>
+          <p:nvPr/>
+        </p:nvGrpSpPr>
+        <p:grpSpPr>
+          <a:xfrm>
+            <a:off x="1114069" y="-642757"/>
+            <a:ext cx="2812641" cy="7792474"/>
+            <a:chOff x="-2812641" y="1778246"/>
+            <a:chExt cx="2812641" cy="7792474"/>
+          </a:xfrm>
+        </p:grpSpPr>
+        <p:grpSp>
+          <p:nvGrpSpPr>
+            <p:cNvPr id="88" name="Csoportba foglalás 87">
+              <a:extLst>
+                <a:ext uri="{FF2B5EF4-FFF2-40B4-BE49-F238E27FC236}">
+                  <a16:creationId xmlns:a16="http://schemas.microsoft.com/office/drawing/2014/main" id="{2F088B3A-1D6E-48DD-92A4-D6D754144A48}"/>
+                </a:ext>
+              </a:extLst>
+            </p:cNvPr>
+            <p:cNvGrpSpPr/>
+            <p:nvPr/>
+          </p:nvGrpSpPr>
+          <p:grpSpPr>
+            <a:xfrm>
+              <a:off x="-2812641" y="1778246"/>
+              <a:ext cx="2812641" cy="7792474"/>
+              <a:chOff x="5778205" y="487680"/>
+              <a:chExt cx="2812641" cy="6790354"/>
+            </a:xfrm>
+          </p:grpSpPr>
+          <p:sp>
+            <p:nvSpPr>
+              <p:cNvPr id="83" name="Téglalap 82">
+                <a:extLst>
+                  <a:ext uri="{FF2B5EF4-FFF2-40B4-BE49-F238E27FC236}">
+                    <a16:creationId xmlns:a16="http://schemas.microsoft.com/office/drawing/2014/main" id="{78AF2BDC-CC5A-4C7E-A019-9DEB9F192EF4}"/>
+                  </a:ext>
+                </a:extLst>
+              </p:cNvPr>
+              <p:cNvSpPr/>
+              <p:nvPr/>
+            </p:nvSpPr>
+            <p:spPr>
+              <a:xfrm>
+                <a:off x="5778205" y="487680"/>
+                <a:ext cx="2812641" cy="6790354"/>
+              </a:xfrm>
+              <a:prstGeom prst="rect">
+                <a:avLst/>
+              </a:prstGeom>
+              <a:solidFill>
+                <a:schemeClr val="accent4">
+                  <a:lumMod val="20000"/>
+                  <a:lumOff val="80000"/>
+                </a:schemeClr>
+              </a:solidFill>
+            </p:spPr>
+            <p:style>
+              <a:lnRef idx="2">
+                <a:schemeClr val="accent1">
+                  <a:shade val="50000"/>
+                </a:schemeClr>
+              </a:lnRef>
+              <a:fillRef idx="1">
+                <a:schemeClr val="accent1"/>
+              </a:fillRef>
+              <a:effectRef idx="0">
+                <a:schemeClr val="accent1"/>
+              </a:effectRef>
+              <a:fontRef idx="minor">
+                <a:schemeClr val="lt1"/>
+              </a:fontRef>
+            </p:style>
+            <p:txBody>
+              <a:bodyPr rtlCol="0" anchor="ctr"/>
+              <a:lstStyle/>
+              <a:p>
+                <a:pPr algn="ctr"/>
+                <a:endParaRPr lang="hu-HU" dirty="0"/>
+              </a:p>
+            </p:txBody>
+          </p:sp>
+          <p:sp>
+            <p:nvSpPr>
+              <p:cNvPr id="7" name="Ellipszis 6">
+                <a:hlinkClick r:id="rId5" action="ppaction://hlinksldjump"/>
+                <a:extLst>
+                  <a:ext uri="{FF2B5EF4-FFF2-40B4-BE49-F238E27FC236}">
+                    <a16:creationId xmlns:a16="http://schemas.microsoft.com/office/drawing/2014/main" id="{412423C2-7777-4785-BFD2-92069C419DE3}"/>
+                  </a:ext>
+                </a:extLst>
+              </p:cNvPr>
+              <p:cNvSpPr/>
+              <p:nvPr/>
+            </p:nvSpPr>
+            <p:spPr>
+              <a:xfrm>
+                <a:off x="5996311" y="3172352"/>
+                <a:ext cx="2254579" cy="1121790"/>
+              </a:xfrm>
+              <a:prstGeom prst="ellipse">
+                <a:avLst/>
+              </a:prstGeom>
+            </p:spPr>
+            <p:style>
+              <a:lnRef idx="2">
+                <a:schemeClr val="accent1">
+                  <a:shade val="50000"/>
+                </a:schemeClr>
+              </a:lnRef>
+              <a:fillRef idx="1">
+                <a:schemeClr val="accent1"/>
+              </a:fillRef>
+              <a:effectRef idx="0">
+                <a:schemeClr val="accent1"/>
+              </a:effectRef>
+              <a:fontRef idx="minor">
+                <a:schemeClr val="lt1"/>
+              </a:fontRef>
+            </p:style>
+            <p:txBody>
+              <a:bodyPr rtlCol="0" anchor="ctr"/>
+              <a:lstStyle/>
+              <a:p>
+                <a:pPr algn="ctr"/>
+                <a:r>
+                  <a:rPr lang="hu-HU" dirty="0"/>
+                  <a:t>Kérdéssorok</a:t>
+                </a:r>
+              </a:p>
+            </p:txBody>
+          </p:sp>
+          <p:sp>
+            <p:nvSpPr>
+              <p:cNvPr id="8" name="Ellipszis 7">
+                <a:hlinkClick r:id="rId6" action="ppaction://hlinksldjump"/>
+                <a:extLst>
+                  <a:ext uri="{FF2B5EF4-FFF2-40B4-BE49-F238E27FC236}">
+                    <a16:creationId xmlns:a16="http://schemas.microsoft.com/office/drawing/2014/main" id="{FD9F5536-1BC6-4144-BA99-8E2FE2FD3671}"/>
+                  </a:ext>
+                </a:extLst>
+              </p:cNvPr>
+              <p:cNvSpPr/>
+              <p:nvPr/>
+            </p:nvSpPr>
+            <p:spPr>
+              <a:xfrm>
+                <a:off x="5977029" y="4586194"/>
+                <a:ext cx="2254579" cy="1121790"/>
+              </a:xfrm>
+              <a:prstGeom prst="ellipse">
+                <a:avLst/>
+              </a:prstGeom>
+            </p:spPr>
+            <p:style>
+              <a:lnRef idx="2">
+                <a:schemeClr val="accent1">
+                  <a:shade val="50000"/>
+                </a:schemeClr>
+              </a:lnRef>
+              <a:fillRef idx="1">
+                <a:schemeClr val="accent1"/>
+              </a:fillRef>
+              <a:effectRef idx="0">
+                <a:schemeClr val="accent1"/>
+              </a:effectRef>
+              <a:fontRef idx="minor">
+                <a:schemeClr val="lt1"/>
+              </a:fontRef>
+            </p:style>
+            <p:txBody>
+              <a:bodyPr rtlCol="0" anchor="ctr"/>
+              <a:lstStyle/>
+              <a:p>
+                <a:pPr algn="ctr"/>
+                <a:r>
+                  <a:rPr lang="hu-HU" dirty="0"/>
+                  <a:t>Statisztikák</a:t>
+                </a:r>
+              </a:p>
+            </p:txBody>
+          </p:sp>
+          <p:sp>
+            <p:nvSpPr>
+              <p:cNvPr id="33" name="Ellipszis 32">
+                <a:hlinkClick r:id="rId7" action="ppaction://hlinksldjump"/>
+                <a:extLst>
+                  <a:ext uri="{FF2B5EF4-FFF2-40B4-BE49-F238E27FC236}">
+                    <a16:creationId xmlns:a16="http://schemas.microsoft.com/office/drawing/2014/main" id="{037A3A6F-8533-4787-A9C1-EEAB7AF5654B}"/>
+                  </a:ext>
+                </a:extLst>
+              </p:cNvPr>
+              <p:cNvSpPr/>
+              <p:nvPr/>
+            </p:nvSpPr>
+            <p:spPr>
+              <a:xfrm>
+                <a:off x="5977029" y="5938077"/>
+                <a:ext cx="2254579" cy="1121790"/>
+              </a:xfrm>
+              <a:prstGeom prst="ellipse">
+                <a:avLst/>
+              </a:prstGeom>
+            </p:spPr>
+            <p:style>
+              <a:lnRef idx="2">
+                <a:schemeClr val="accent1">
+                  <a:shade val="50000"/>
+                </a:schemeClr>
+              </a:lnRef>
+              <a:fillRef idx="1">
+                <a:schemeClr val="accent1"/>
+              </a:fillRef>
+              <a:effectRef idx="0">
+                <a:schemeClr val="accent1"/>
+              </a:effectRef>
+              <a:fontRef idx="minor">
+                <a:schemeClr val="lt1"/>
+              </a:fontRef>
+            </p:style>
+            <p:txBody>
+              <a:bodyPr rtlCol="0" anchor="ctr"/>
+              <a:lstStyle/>
+              <a:p>
+                <a:pPr algn="ctr"/>
+                <a:r>
+                  <a:rPr lang="hu-HU" dirty="0"/>
+                  <a:t>Játékos bevitele</a:t>
+                </a:r>
+              </a:p>
+            </p:txBody>
+          </p:sp>
+          <p:sp>
+            <p:nvSpPr>
+              <p:cNvPr id="84" name="Szövegdoboz 83">
+                <a:extLst>
+                  <a:ext uri="{FF2B5EF4-FFF2-40B4-BE49-F238E27FC236}">
+                    <a16:creationId xmlns:a16="http://schemas.microsoft.com/office/drawing/2014/main" id="{47CB2751-2DF5-4048-B458-E14FAC87D069}"/>
+                  </a:ext>
+                </a:extLst>
+              </p:cNvPr>
+              <p:cNvSpPr txBox="1"/>
+              <p:nvPr/>
+            </p:nvSpPr>
+            <p:spPr>
+              <a:xfrm>
+                <a:off x="5977030" y="680973"/>
+                <a:ext cx="2159053" cy="461665"/>
+              </a:xfrm>
+              <a:prstGeom prst="rect">
+                <a:avLst/>
+              </a:prstGeom>
+              <a:noFill/>
+            </p:spPr>
+            <p:txBody>
+              <a:bodyPr wrap="none" rtlCol="0">
+                <a:spAutoFit/>
+              </a:bodyPr>
+              <a:lstStyle/>
+              <a:p>
+                <a:r>
+                  <a:rPr lang="hu-HU" sz="2400" dirty="0"/>
+                  <a:t>Fő menüpontok</a:t>
+                </a:r>
+              </a:p>
+            </p:txBody>
+          </p:sp>
+        </p:grpSp>
+        <p:sp>
+          <p:nvSpPr>
+            <p:cNvPr id="6" name="Ellipszis 5">
+              <a:hlinkClick r:id="rId2" action="ppaction://hlinksldjump"/>
+              <a:extLst>
+                <a:ext uri="{FF2B5EF4-FFF2-40B4-BE49-F238E27FC236}">
+                  <a16:creationId xmlns:a16="http://schemas.microsoft.com/office/drawing/2014/main" id="{449B8F8B-B22E-4208-BBD5-DF4FF2CB2FB3}"/>
+                </a:ext>
+              </a:extLst>
+            </p:cNvPr>
+            <p:cNvSpPr/>
+            <p:nvPr/>
+          </p:nvSpPr>
+          <p:spPr>
+            <a:xfrm>
+              <a:off x="-2560344" y="3370630"/>
+              <a:ext cx="2254579" cy="1121790"/>
+            </a:xfrm>
+            <a:prstGeom prst="ellipse">
+              <a:avLst/>
+            </a:prstGeom>
+          </p:spPr>
+          <p:style>
+            <a:lnRef idx="2">
+              <a:schemeClr val="accent1">
+                <a:shade val="50000"/>
+              </a:schemeClr>
+            </a:lnRef>
+            <a:fillRef idx="1">
+              <a:schemeClr val="accent1"/>
+            </a:fillRef>
+            <a:effectRef idx="0">
+              <a:schemeClr val="accent1"/>
+            </a:effectRef>
+            <a:fontRef idx="minor">
+              <a:schemeClr val="lt1"/>
+            </a:fontRef>
+          </p:style>
+          <p:txBody>
+            <a:bodyPr rtlCol="0" anchor="ctr"/>
+            <a:lstStyle/>
+            <a:p>
+              <a:pPr algn="ctr"/>
+              <a:r>
+                <a:rPr lang="hu-HU" dirty="0"/>
+                <a:t>Új játék</a:t>
+              </a:r>
+            </a:p>
+          </p:txBody>
+        </p:sp>
+      </p:grpSp>
+      <p:cxnSp>
+        <p:nvCxnSpPr>
+          <p:cNvPr id="89" name="Egyenes összekötő nyíllal 88">
+            <a:extLst>
+              <a:ext uri="{FF2B5EF4-FFF2-40B4-BE49-F238E27FC236}">
+                <a16:creationId xmlns:a16="http://schemas.microsoft.com/office/drawing/2014/main" id="{45D57E1C-0E69-4B98-B6B5-EAD1486ED2A6}"/>
+              </a:ext>
+            </a:extLst>
+          </p:cNvPr>
+          <p:cNvCxnSpPr>
+            <a:cxnSpLocks/>
+            <a:stCxn id="2" idx="6"/>
+            <a:endCxn id="83" idx="1"/>
+          </p:cNvCxnSpPr>
+          <p:nvPr/>
+        </p:nvCxnSpPr>
+        <p:spPr>
+          <a:xfrm>
+            <a:off x="-483796" y="3164568"/>
+            <a:ext cx="1597865" cy="88912"/>
+          </a:xfrm>
+          <a:prstGeom prst="straightConnector1">
+            <a:avLst/>
+          </a:prstGeom>
+          <a:ln w="57150">
+            <a:solidFill>
+              <a:schemeClr val="tx1">
+                <a:lumMod val="65000"/>
+                <a:lumOff val="35000"/>
+              </a:schemeClr>
+            </a:solidFill>
+            <a:headEnd type="triangle"/>
+            <a:tailEnd type="triangle"/>
+          </a:ln>
+        </p:spPr>
+        <p:style>
+          <a:lnRef idx="1">
+            <a:schemeClr val="accent1"/>
+          </a:lnRef>
+          <a:fillRef idx="0">
+            <a:schemeClr val="accent1"/>
+          </a:fillRef>
+          <a:effectRef idx="0">
+            <a:schemeClr val="accent1"/>
+          </a:effectRef>
+          <a:fontRef idx="minor">
+            <a:schemeClr val="tx1"/>
+          </a:fontRef>
+        </p:style>
+      </p:cxnSp>
+      <p:cxnSp>
+        <p:nvCxnSpPr>
+          <p:cNvPr id="127" name="Egyenes összekötő nyíllal 126">
+            <a:extLst>
+              <a:ext uri="{FF2B5EF4-FFF2-40B4-BE49-F238E27FC236}">
+                <a16:creationId xmlns:a16="http://schemas.microsoft.com/office/drawing/2014/main" id="{9B888FC3-2C5E-428E-8FA0-EA6B9BE88A98}"/>
+              </a:ext>
+            </a:extLst>
+          </p:cNvPr>
+          <p:cNvCxnSpPr>
+            <a:cxnSpLocks/>
+            <a:stCxn id="40" idx="6"/>
+            <a:endCxn id="105" idx="1"/>
+          </p:cNvCxnSpPr>
+          <p:nvPr/>
+        </p:nvCxnSpPr>
+        <p:spPr>
+          <a:xfrm flipV="1">
+            <a:off x="6817004" y="185812"/>
+            <a:ext cx="1448288" cy="304464"/>
+          </a:xfrm>
+          <a:prstGeom prst="straightConnector1">
+            <a:avLst/>
+          </a:prstGeom>
+          <a:ln w="57150">
+            <a:solidFill>
+              <a:schemeClr val="tx1">
+                <a:lumMod val="65000"/>
+                <a:lumOff val="35000"/>
+              </a:schemeClr>
+            </a:solidFill>
+            <a:headEnd type="triangle"/>
+            <a:tailEnd type="triangle"/>
+          </a:ln>
+        </p:spPr>
+        <p:style>
+          <a:lnRef idx="1">
+            <a:schemeClr val="accent1"/>
+          </a:lnRef>
+          <a:fillRef idx="0">
+            <a:schemeClr val="accent1"/>
+          </a:fillRef>
+          <a:effectRef idx="0">
+            <a:schemeClr val="accent1"/>
+          </a:effectRef>
+          <a:fontRef idx="minor">
+            <a:schemeClr val="tx1"/>
+          </a:fontRef>
+        </p:style>
+      </p:cxnSp>
+      <p:cxnSp>
+        <p:nvCxnSpPr>
+          <p:cNvPr id="45" name="Egyenes összekötő nyíllal 44">
+            <a:extLst>
+              <a:ext uri="{FF2B5EF4-FFF2-40B4-BE49-F238E27FC236}">
+                <a16:creationId xmlns:a16="http://schemas.microsoft.com/office/drawing/2014/main" id="{BFD1F9E0-2C24-40AD-9E9B-A89328648DC2}"/>
+              </a:ext>
+            </a:extLst>
+          </p:cNvPr>
+          <p:cNvCxnSpPr>
+            <a:cxnSpLocks/>
+            <a:stCxn id="6" idx="6"/>
+            <a:endCxn id="40" idx="2"/>
+          </p:cNvCxnSpPr>
+          <p:nvPr/>
+        </p:nvCxnSpPr>
+        <p:spPr>
+          <a:xfrm flipV="1">
+            <a:off x="3620945" y="490276"/>
+            <a:ext cx="941480" cy="1020246"/>
+          </a:xfrm>
+          <a:prstGeom prst="straightConnector1">
+            <a:avLst/>
+          </a:prstGeom>
+          <a:ln w="57150">
+            <a:solidFill>
+              <a:schemeClr val="tx1">
+                <a:lumMod val="65000"/>
+                <a:lumOff val="35000"/>
+              </a:schemeClr>
+            </a:solidFill>
+            <a:tailEnd type="triangle"/>
+          </a:ln>
+        </p:spPr>
+        <p:style>
+          <a:lnRef idx="1">
+            <a:schemeClr val="accent1"/>
+          </a:lnRef>
+          <a:fillRef idx="0">
+            <a:schemeClr val="accent1"/>
+          </a:fillRef>
+          <a:effectRef idx="0">
+            <a:schemeClr val="accent1"/>
+          </a:effectRef>
+          <a:fontRef idx="minor">
+            <a:schemeClr val="tx1"/>
+          </a:fontRef>
+        </p:style>
+      </p:cxnSp>
+      <p:sp>
+        <p:nvSpPr>
+          <p:cNvPr id="28" name="Ellipszis 27">
+            <a:extLst>
+              <a:ext uri="{FF2B5EF4-FFF2-40B4-BE49-F238E27FC236}">
+                <a16:creationId xmlns:a16="http://schemas.microsoft.com/office/drawing/2014/main" id="{6E83BAB9-019C-4387-9028-27A25B1C4733}"/>
+              </a:ext>
+            </a:extLst>
+          </p:cNvPr>
+          <p:cNvSpPr/>
+          <p:nvPr/>
+        </p:nvSpPr>
+        <p:spPr>
+          <a:xfrm>
+            <a:off x="8490516" y="4197949"/>
+            <a:ext cx="1692334" cy="1121790"/>
+          </a:xfrm>
+          <a:prstGeom prst="ellipse">
+            <a:avLst/>
+          </a:prstGeom>
+        </p:spPr>
+        <p:style>
+          <a:lnRef idx="2">
+            <a:schemeClr val="accent1">
+              <a:shade val="50000"/>
+            </a:schemeClr>
+          </a:lnRef>
+          <a:fillRef idx="1">
+            <a:schemeClr val="accent1"/>
+          </a:fillRef>
+          <a:effectRef idx="0">
+            <a:schemeClr val="accent1"/>
+          </a:effectRef>
+          <a:fontRef idx="minor">
+            <a:schemeClr val="lt1"/>
+          </a:fontRef>
+        </p:style>
+        <p:txBody>
+          <a:bodyPr rtlCol="0" anchor="ctr"/>
+          <a:lstStyle/>
+          <a:p>
+            <a:pPr algn="ctr"/>
+            <a:r>
+              <a:rPr lang="hu-HU" dirty="0"/>
+              <a:t>Játék vége</a:t>
+            </a:r>
+          </a:p>
+        </p:txBody>
+      </p:sp>
+      <p:cxnSp>
+        <p:nvCxnSpPr>
+          <p:cNvPr id="29" name="Egyenes összekötő nyíllal 28">
+            <a:extLst>
+              <a:ext uri="{FF2B5EF4-FFF2-40B4-BE49-F238E27FC236}">
+                <a16:creationId xmlns:a16="http://schemas.microsoft.com/office/drawing/2014/main" id="{E234A615-4476-4DBF-8CBB-B3819E13980B}"/>
+              </a:ext>
+            </a:extLst>
+          </p:cNvPr>
+          <p:cNvCxnSpPr>
+            <a:cxnSpLocks/>
+            <a:stCxn id="51" idx="4"/>
+            <a:endCxn id="28" idx="0"/>
+          </p:cNvCxnSpPr>
+          <p:nvPr/>
+        </p:nvCxnSpPr>
+        <p:spPr>
+          <a:xfrm>
+            <a:off x="9250724" y="2210471"/>
+            <a:ext cx="85959" cy="1987478"/>
+          </a:xfrm>
+          <a:prstGeom prst="straightConnector1">
+            <a:avLst/>
+          </a:prstGeom>
+          <a:ln w="57150">
+            <a:solidFill>
+              <a:schemeClr val="tx1">
+                <a:lumMod val="65000"/>
+                <a:lumOff val="35000"/>
+              </a:schemeClr>
+            </a:solidFill>
+            <a:tailEnd type="triangle"/>
+          </a:ln>
+        </p:spPr>
+        <p:style>
+          <a:lnRef idx="1">
+            <a:schemeClr val="accent1"/>
+          </a:lnRef>
+          <a:fillRef idx="0">
+            <a:schemeClr val="accent1"/>
+          </a:fillRef>
+          <a:effectRef idx="0">
+            <a:schemeClr val="accent1"/>
+          </a:effectRef>
+          <a:fontRef idx="minor">
+            <a:schemeClr val="tx1"/>
+          </a:fontRef>
+        </p:style>
+      </p:cxnSp>
+      <p:cxnSp>
+        <p:nvCxnSpPr>
+          <p:cNvPr id="11" name="Összekötő: görbe 10">
+            <a:extLst>
+              <a:ext uri="{FF2B5EF4-FFF2-40B4-BE49-F238E27FC236}">
+                <a16:creationId xmlns:a16="http://schemas.microsoft.com/office/drawing/2014/main" id="{A134B1D2-DAB2-4D24-87E1-ED96CBDE8737}"/>
+              </a:ext>
+            </a:extLst>
+          </p:cNvPr>
+          <p:cNvCxnSpPr>
+            <a:stCxn id="28" idx="4"/>
+            <a:endCxn id="2" idx="4"/>
+          </p:cNvCxnSpPr>
+          <p:nvPr/>
+        </p:nvCxnSpPr>
+        <p:spPr>
+          <a:xfrm rot="5400000" flipH="1">
+            <a:off x="3042488" y="-974456"/>
+            <a:ext cx="1594276" cy="10994115"/>
+          </a:xfrm>
+          <a:prstGeom prst="curvedConnector3">
+            <a:avLst>
+              <a:gd name="adj1" fmla="val -182581"/>
+            </a:avLst>
+          </a:prstGeom>
+          <a:ln w="57150">
+            <a:solidFill>
+              <a:schemeClr val="tx1">
+                <a:lumMod val="50000"/>
+                <a:lumOff val="50000"/>
+              </a:schemeClr>
+            </a:solidFill>
+            <a:tailEnd type="triangle"/>
+          </a:ln>
+        </p:spPr>
+        <p:style>
+          <a:lnRef idx="1">
+            <a:schemeClr val="accent1"/>
+          </a:lnRef>
+          <a:fillRef idx="0">
+            <a:schemeClr val="accent1"/>
+          </a:fillRef>
+          <a:effectRef idx="0">
+            <a:schemeClr val="accent1"/>
+          </a:effectRef>
+          <a:fontRef idx="minor">
+            <a:schemeClr val="tx1"/>
+          </a:fontRef>
+        </p:style>
+      </p:cxnSp>
+    </p:spTree>
+    <p:extLst>
+      <p:ext uri="{BB962C8B-B14F-4D97-AF65-F5344CB8AC3E}">
+        <p14:creationId xmlns:p14="http://schemas.microsoft.com/office/powerpoint/2010/main" val="1778679840"/>
+      </p:ext>
+    </p:extLst>
+  </p:cSld>
+  <p:clrMapOvr>
+    <a:masterClrMapping/>
+  </p:clrMapOvr>
+</p:sld>
+</file>
+
+<file path=ppt/slides/slide20.xml><?xml version="1.0" encoding="utf-8"?>
 <p:sld xmlns:a="http://schemas.openxmlformats.org/drawingml/2006/main" xmlns:r="http://schemas.openxmlformats.org/officeDocument/2006/relationships" xmlns:p="http://schemas.openxmlformats.org/presentationml/2006/main">
   <p:cSld>
     <p:spTree>
@@ -13795,1336 +16165,7 @@
 </p:sld>
 </file>
 
-<file path=ppt/slides/slide2.xml><?xml version="1.0" encoding="utf-8"?>
-<p:sld xmlns:a="http://schemas.openxmlformats.org/drawingml/2006/main" xmlns:r="http://schemas.openxmlformats.org/officeDocument/2006/relationships" xmlns:p="http://schemas.openxmlformats.org/presentationml/2006/main">
-  <p:cSld>
-    <p:spTree>
-      <p:nvGrpSpPr>
-        <p:cNvPr id="1" name=""/>
-        <p:cNvGrpSpPr/>
-        <p:nvPr/>
-      </p:nvGrpSpPr>
-      <p:grpSpPr>
-        <a:xfrm>
-          <a:off x="0" y="0"/>
-          <a:ext cx="0" cy="0"/>
-          <a:chOff x="0" y="0"/>
-          <a:chExt cx="0" cy="0"/>
-        </a:xfrm>
-      </p:grpSpPr>
-      <p:sp>
-        <p:nvSpPr>
-          <p:cNvPr id="2" name="Ellipszis 1">
-            <a:hlinkClick r:id="rId2" action="ppaction://hlinksldjump"/>
-            <a:extLst>
-              <a:ext uri="{FF2B5EF4-FFF2-40B4-BE49-F238E27FC236}">
-                <a16:creationId xmlns:a16="http://schemas.microsoft.com/office/drawing/2014/main" id="{B93444FA-7758-4E71-9400-224B503BF8AB}"/>
-              </a:ext>
-            </a:extLst>
-          </p:cNvPr>
-          <p:cNvSpPr/>
-          <p:nvPr/>
-        </p:nvSpPr>
-        <p:spPr>
-          <a:xfrm>
-            <a:off x="-2831069" y="2603673"/>
-            <a:ext cx="2347273" cy="1121790"/>
-          </a:xfrm>
-          <a:prstGeom prst="ellipse">
-            <a:avLst/>
-          </a:prstGeom>
-          <a:solidFill>
-            <a:srgbClr val="F983AD"/>
-          </a:solidFill>
-        </p:spPr>
-        <p:style>
-          <a:lnRef idx="2">
-            <a:schemeClr val="accent1">
-              <a:shade val="50000"/>
-            </a:schemeClr>
-          </a:lnRef>
-          <a:fillRef idx="1">
-            <a:schemeClr val="accent1"/>
-          </a:fillRef>
-          <a:effectRef idx="0">
-            <a:schemeClr val="accent1"/>
-          </a:effectRef>
-          <a:fontRef idx="minor">
-            <a:schemeClr val="lt1"/>
-          </a:fontRef>
-        </p:style>
-        <p:txBody>
-          <a:bodyPr rtlCol="0" anchor="ctr"/>
-          <a:lstStyle/>
-          <a:p>
-            <a:pPr algn="ctr"/>
-            <a:r>
-              <a:rPr lang="hu-HU" dirty="0"/>
-              <a:t>Kezdőképernyő</a:t>
-            </a:r>
-          </a:p>
-        </p:txBody>
-      </p:sp>
-      <p:sp>
-        <p:nvSpPr>
-          <p:cNvPr id="40" name="Ellipszis 39">
-            <a:hlinkClick r:id="rId3" action="ppaction://hlinksldjump"/>
-            <a:extLst>
-              <a:ext uri="{FF2B5EF4-FFF2-40B4-BE49-F238E27FC236}">
-                <a16:creationId xmlns:a16="http://schemas.microsoft.com/office/drawing/2014/main" id="{41C8DA4B-A5A3-4651-9C47-144FB32F7FFB}"/>
-              </a:ext>
-            </a:extLst>
-          </p:cNvPr>
-          <p:cNvSpPr/>
-          <p:nvPr/>
-        </p:nvSpPr>
-        <p:spPr>
-          <a:xfrm>
-            <a:off x="4562425" y="-70619"/>
-            <a:ext cx="2254579" cy="1121790"/>
-          </a:xfrm>
-          <a:prstGeom prst="ellipse">
-            <a:avLst/>
-          </a:prstGeom>
-        </p:spPr>
-        <p:style>
-          <a:lnRef idx="2">
-            <a:schemeClr val="accent1">
-              <a:shade val="50000"/>
-            </a:schemeClr>
-          </a:lnRef>
-          <a:fillRef idx="1">
-            <a:schemeClr val="accent1"/>
-          </a:fillRef>
-          <a:effectRef idx="0">
-            <a:schemeClr val="accent1"/>
-          </a:effectRef>
-          <a:fontRef idx="minor">
-            <a:schemeClr val="lt1"/>
-          </a:fontRef>
-        </p:style>
-        <p:txBody>
-          <a:bodyPr rtlCol="0" anchor="ctr"/>
-          <a:lstStyle/>
-          <a:p>
-            <a:pPr algn="ctr"/>
-            <a:r>
-              <a:rPr lang="hu-HU" dirty="0"/>
-              <a:t>Játék állása</a:t>
-            </a:r>
-          </a:p>
-        </p:txBody>
-      </p:sp>
-      <p:grpSp>
-        <p:nvGrpSpPr>
-          <p:cNvPr id="126" name="Csoportba foglalás 125">
-            <a:extLst>
-              <a:ext uri="{FF2B5EF4-FFF2-40B4-BE49-F238E27FC236}">
-                <a16:creationId xmlns:a16="http://schemas.microsoft.com/office/drawing/2014/main" id="{1E3AE7C4-204F-40ED-951D-CC9D6C8187C0}"/>
-              </a:ext>
-            </a:extLst>
-          </p:cNvPr>
-          <p:cNvGrpSpPr/>
-          <p:nvPr/>
-        </p:nvGrpSpPr>
-        <p:grpSpPr>
-          <a:xfrm>
-            <a:off x="8265292" y="-2453640"/>
-            <a:ext cx="6273119" cy="5278904"/>
-            <a:chOff x="1599627" y="1048575"/>
-            <a:chExt cx="6273119" cy="5962609"/>
-          </a:xfrm>
-        </p:grpSpPr>
-        <p:grpSp>
-          <p:nvGrpSpPr>
-            <p:cNvPr id="104" name="Csoportba foglalás 103">
-              <a:extLst>
-                <a:ext uri="{FF2B5EF4-FFF2-40B4-BE49-F238E27FC236}">
-                  <a16:creationId xmlns:a16="http://schemas.microsoft.com/office/drawing/2014/main" id="{D5D07485-4DF5-4A45-93F3-DC195A74A2CE}"/>
-                </a:ext>
-              </a:extLst>
-            </p:cNvPr>
-            <p:cNvGrpSpPr/>
-            <p:nvPr/>
-          </p:nvGrpSpPr>
-          <p:grpSpPr>
-            <a:xfrm>
-              <a:off x="1599627" y="1048575"/>
-              <a:ext cx="6273119" cy="5962609"/>
-              <a:chOff x="5805801" y="573326"/>
-              <a:chExt cx="1506375" cy="5962609"/>
-            </a:xfrm>
-          </p:grpSpPr>
-          <p:sp>
-            <p:nvSpPr>
-              <p:cNvPr id="105" name="Téglalap 104">
-                <a:extLst>
-                  <a:ext uri="{FF2B5EF4-FFF2-40B4-BE49-F238E27FC236}">
-                    <a16:creationId xmlns:a16="http://schemas.microsoft.com/office/drawing/2014/main" id="{53092016-6B17-46D8-9432-FBA2429DBD3D}"/>
-                  </a:ext>
-                </a:extLst>
-              </p:cNvPr>
-              <p:cNvSpPr/>
-              <p:nvPr/>
-            </p:nvSpPr>
-            <p:spPr>
-              <a:xfrm>
-                <a:off x="5805801" y="573326"/>
-                <a:ext cx="1506375" cy="5962609"/>
-              </a:xfrm>
-              <a:prstGeom prst="rect">
-                <a:avLst/>
-              </a:prstGeom>
-              <a:solidFill>
-                <a:srgbClr val="90F4D0"/>
-              </a:solidFill>
-            </p:spPr>
-            <p:style>
-              <a:lnRef idx="2">
-                <a:schemeClr val="accent1">
-                  <a:shade val="50000"/>
-                </a:schemeClr>
-              </a:lnRef>
-              <a:fillRef idx="1">
-                <a:schemeClr val="accent1"/>
-              </a:fillRef>
-              <a:effectRef idx="0">
-                <a:schemeClr val="accent1"/>
-              </a:effectRef>
-              <a:fontRef idx="minor">
-                <a:schemeClr val="lt1"/>
-              </a:fontRef>
-            </p:style>
-            <p:txBody>
-              <a:bodyPr rtlCol="0" anchor="ctr"/>
-              <a:lstStyle/>
-              <a:p>
-                <a:pPr algn="ctr"/>
-                <a:endParaRPr lang="hu-HU"/>
-              </a:p>
-            </p:txBody>
-          </p:sp>
-          <p:sp>
-            <p:nvSpPr>
-              <p:cNvPr id="109" name="Szövegdoboz 108">
-                <a:extLst>
-                  <a:ext uri="{FF2B5EF4-FFF2-40B4-BE49-F238E27FC236}">
-                    <a16:creationId xmlns:a16="http://schemas.microsoft.com/office/drawing/2014/main" id="{7D3C2E77-804D-44CE-A7A1-6C4D4D7CB639}"/>
-                  </a:ext>
-                </a:extLst>
-              </p:cNvPr>
-              <p:cNvSpPr txBox="1"/>
-              <p:nvPr/>
-            </p:nvSpPr>
-            <p:spPr>
-              <a:xfrm>
-                <a:off x="5977030" y="680973"/>
-                <a:ext cx="608693" cy="461665"/>
-              </a:xfrm>
-              <a:prstGeom prst="rect">
-                <a:avLst/>
-              </a:prstGeom>
-              <a:noFill/>
-            </p:spPr>
-            <p:txBody>
-              <a:bodyPr wrap="none" rtlCol="0">
-                <a:spAutoFit/>
-              </a:bodyPr>
-              <a:lstStyle/>
-              <a:p>
-                <a:r>
-                  <a:rPr lang="hu-HU" sz="2400" dirty="0"/>
-                  <a:t>Kör</a:t>
-                </a:r>
-              </a:p>
-            </p:txBody>
-          </p:sp>
-        </p:grpSp>
-        <p:sp>
-          <p:nvSpPr>
-            <p:cNvPr id="49" name="Ellipszis 48">
-              <a:hlinkClick r:id="rId4" action="ppaction://hlinksldjump"/>
-              <a:extLst>
-                <a:ext uri="{FF2B5EF4-FFF2-40B4-BE49-F238E27FC236}">
-                  <a16:creationId xmlns:a16="http://schemas.microsoft.com/office/drawing/2014/main" id="{712E0FE7-B566-4394-A1B8-4C37355FDE47}"/>
-                </a:ext>
-              </a:extLst>
-            </p:cNvPr>
-            <p:cNvSpPr/>
-            <p:nvPr/>
-          </p:nvSpPr>
-          <p:spPr>
-            <a:xfrm>
-              <a:off x="2277026" y="2532312"/>
-              <a:ext cx="1727998" cy="1121790"/>
-            </a:xfrm>
-            <a:prstGeom prst="ellipse">
-              <a:avLst/>
-            </a:prstGeom>
-          </p:spPr>
-          <p:style>
-            <a:lnRef idx="2">
-              <a:schemeClr val="accent1">
-                <a:shade val="50000"/>
-              </a:schemeClr>
-            </a:lnRef>
-            <a:fillRef idx="1">
-              <a:schemeClr val="accent1"/>
-            </a:fillRef>
-            <a:effectRef idx="0">
-              <a:schemeClr val="accent1"/>
-            </a:effectRef>
-            <a:fontRef idx="minor">
-              <a:schemeClr val="lt1"/>
-            </a:fontRef>
-          </p:style>
-          <p:txBody>
-            <a:bodyPr rtlCol="0" anchor="ctr"/>
-            <a:lstStyle/>
-            <a:p>
-              <a:pPr algn="ctr"/>
-              <a:r>
-                <a:rPr lang="hu-HU" dirty="0"/>
-                <a:t>Tematikus</a:t>
-              </a:r>
-            </a:p>
-          </p:txBody>
-        </p:sp>
-        <p:sp>
-          <p:nvSpPr>
-            <p:cNvPr id="50" name="Ellipszis 49">
-              <a:extLst>
-                <a:ext uri="{FF2B5EF4-FFF2-40B4-BE49-F238E27FC236}">
-                  <a16:creationId xmlns:a16="http://schemas.microsoft.com/office/drawing/2014/main" id="{030D42C6-B808-4702-8359-4E0D54575364}"/>
-                </a:ext>
-              </a:extLst>
-            </p:cNvPr>
-            <p:cNvSpPr/>
-            <p:nvPr/>
-          </p:nvSpPr>
-          <p:spPr>
-            <a:xfrm>
-              <a:off x="6512870" y="2785842"/>
-              <a:ext cx="1096581" cy="1121790"/>
-            </a:xfrm>
-            <a:prstGeom prst="ellipse">
-              <a:avLst/>
-            </a:prstGeom>
-          </p:spPr>
-          <p:style>
-            <a:lnRef idx="2">
-              <a:schemeClr val="accent1">
-                <a:shade val="50000"/>
-              </a:schemeClr>
-            </a:lnRef>
-            <a:fillRef idx="1">
-              <a:schemeClr val="accent1"/>
-            </a:fillRef>
-            <a:effectRef idx="0">
-              <a:schemeClr val="accent1"/>
-            </a:effectRef>
-            <a:fontRef idx="minor">
-              <a:schemeClr val="lt1"/>
-            </a:fontRef>
-          </p:style>
-          <p:txBody>
-            <a:bodyPr rtlCol="0" anchor="ctr"/>
-            <a:lstStyle/>
-            <a:p>
-              <a:pPr algn="ctr"/>
-              <a:r>
-                <a:rPr lang="hu-HU" dirty="0"/>
-                <a:t>Villám</a:t>
-              </a:r>
-            </a:p>
-          </p:txBody>
-        </p:sp>
-        <p:sp>
-          <p:nvSpPr>
-            <p:cNvPr id="51" name="Ellipszis 50">
-              <a:extLst>
-                <a:ext uri="{FF2B5EF4-FFF2-40B4-BE49-F238E27FC236}">
-                  <a16:creationId xmlns:a16="http://schemas.microsoft.com/office/drawing/2014/main" id="{7978E54A-51AA-4B77-BE32-51E0972658DE}"/>
-                </a:ext>
-              </a:extLst>
-            </p:cNvPr>
-            <p:cNvSpPr/>
-            <p:nvPr/>
-          </p:nvSpPr>
-          <p:spPr>
-            <a:xfrm>
-              <a:off x="1824851" y="5194976"/>
-              <a:ext cx="1520416" cy="1121790"/>
-            </a:xfrm>
-            <a:prstGeom prst="ellipse">
-              <a:avLst/>
-            </a:prstGeom>
-          </p:spPr>
-          <p:style>
-            <a:lnRef idx="2">
-              <a:schemeClr val="accent1">
-                <a:shade val="50000"/>
-              </a:schemeClr>
-            </a:lnRef>
-            <a:fillRef idx="1">
-              <a:schemeClr val="accent1"/>
-            </a:fillRef>
-            <a:effectRef idx="0">
-              <a:schemeClr val="accent1"/>
-            </a:effectRef>
-            <a:fontRef idx="minor">
-              <a:schemeClr val="lt1"/>
-            </a:fontRef>
-          </p:style>
-          <p:txBody>
-            <a:bodyPr rtlCol="0" anchor="ctr"/>
-            <a:lstStyle/>
-            <a:p>
-              <a:pPr algn="ctr"/>
-              <a:r>
-                <a:rPr lang="hu-HU" dirty="0"/>
-                <a:t>Kör vége</a:t>
-              </a:r>
-            </a:p>
-          </p:txBody>
-        </p:sp>
-        <p:sp>
-          <p:nvSpPr>
-            <p:cNvPr id="53" name="Ellipszis 52">
-              <a:extLst>
-                <a:ext uri="{FF2B5EF4-FFF2-40B4-BE49-F238E27FC236}">
-                  <a16:creationId xmlns:a16="http://schemas.microsoft.com/office/drawing/2014/main" id="{8118ACD5-A8F6-40B1-A564-9BE26E64C200}"/>
-                </a:ext>
-              </a:extLst>
-            </p:cNvPr>
-            <p:cNvSpPr/>
-            <p:nvPr/>
-          </p:nvSpPr>
-          <p:spPr>
-            <a:xfrm>
-              <a:off x="5212702" y="5248463"/>
-              <a:ext cx="2122604" cy="1121790"/>
-            </a:xfrm>
-            <a:prstGeom prst="ellipse">
-              <a:avLst/>
-            </a:prstGeom>
-          </p:spPr>
-          <p:style>
-            <a:lnRef idx="2">
-              <a:schemeClr val="accent1">
-                <a:shade val="50000"/>
-              </a:schemeClr>
-            </a:lnRef>
-            <a:fillRef idx="1">
-              <a:schemeClr val="accent1"/>
-            </a:fillRef>
-            <a:effectRef idx="0">
-              <a:schemeClr val="accent1"/>
-            </a:effectRef>
-            <a:fontRef idx="minor">
-              <a:schemeClr val="lt1"/>
-            </a:fontRef>
-          </p:style>
-          <p:txBody>
-            <a:bodyPr rtlCol="0" anchor="ctr"/>
-            <a:lstStyle/>
-            <a:p>
-              <a:pPr algn="ctr"/>
-              <a:r>
-                <a:rPr lang="hu-HU" dirty="0"/>
-                <a:t>Kör beállításai</a:t>
-              </a:r>
-            </a:p>
-          </p:txBody>
-        </p:sp>
-        <p:cxnSp>
-          <p:nvCxnSpPr>
-            <p:cNvPr id="54" name="Egyenes összekötő nyíllal 53">
-              <a:extLst>
-                <a:ext uri="{FF2B5EF4-FFF2-40B4-BE49-F238E27FC236}">
-                  <a16:creationId xmlns:a16="http://schemas.microsoft.com/office/drawing/2014/main" id="{77769E6E-5655-49E4-B005-4EB81129EBB2}"/>
-                </a:ext>
-              </a:extLst>
-            </p:cNvPr>
-            <p:cNvCxnSpPr>
-              <a:cxnSpLocks/>
-              <a:stCxn id="49" idx="4"/>
-              <a:endCxn id="51" idx="0"/>
-            </p:cNvCxnSpPr>
-            <p:nvPr/>
-          </p:nvCxnSpPr>
-          <p:spPr>
-            <a:xfrm flipH="1">
-              <a:off x="2585059" y="3654102"/>
-              <a:ext cx="555966" cy="1540874"/>
-            </a:xfrm>
-            <a:prstGeom prst="straightConnector1">
-              <a:avLst/>
-            </a:prstGeom>
-            <a:ln w="57150">
-              <a:solidFill>
-                <a:schemeClr val="tx1">
-                  <a:lumMod val="65000"/>
-                  <a:lumOff val="35000"/>
-                </a:schemeClr>
-              </a:solidFill>
-              <a:tailEnd type="triangle"/>
-            </a:ln>
-          </p:spPr>
-          <p:style>
-            <a:lnRef idx="1">
-              <a:schemeClr val="accent1"/>
-            </a:lnRef>
-            <a:fillRef idx="0">
-              <a:schemeClr val="accent1"/>
-            </a:fillRef>
-            <a:effectRef idx="0">
-              <a:schemeClr val="accent1"/>
-            </a:effectRef>
-            <a:fontRef idx="minor">
-              <a:schemeClr val="tx1"/>
-            </a:fontRef>
-          </p:style>
-        </p:cxnSp>
-        <p:cxnSp>
-          <p:nvCxnSpPr>
-            <p:cNvPr id="57" name="Egyenes összekötő nyíllal 56">
-              <a:extLst>
-                <a:ext uri="{FF2B5EF4-FFF2-40B4-BE49-F238E27FC236}">
-                  <a16:creationId xmlns:a16="http://schemas.microsoft.com/office/drawing/2014/main" id="{FE7BA49D-191F-4351-8AA9-2C1313935B13}"/>
-                </a:ext>
-              </a:extLst>
-            </p:cNvPr>
-            <p:cNvCxnSpPr>
-              <a:cxnSpLocks/>
-              <a:stCxn id="50" idx="4"/>
-              <a:endCxn id="51" idx="7"/>
-            </p:cNvCxnSpPr>
-            <p:nvPr/>
-          </p:nvCxnSpPr>
-          <p:spPr>
-            <a:xfrm flipH="1">
-              <a:off x="3122607" y="3907632"/>
-              <a:ext cx="3938554" cy="1451626"/>
-            </a:xfrm>
-            <a:prstGeom prst="straightConnector1">
-              <a:avLst/>
-            </a:prstGeom>
-            <a:ln w="57150">
-              <a:solidFill>
-                <a:schemeClr val="tx1">
-                  <a:lumMod val="65000"/>
-                  <a:lumOff val="35000"/>
-                </a:schemeClr>
-              </a:solidFill>
-              <a:tailEnd type="triangle"/>
-            </a:ln>
-          </p:spPr>
-          <p:style>
-            <a:lnRef idx="1">
-              <a:schemeClr val="accent1"/>
-            </a:lnRef>
-            <a:fillRef idx="0">
-              <a:schemeClr val="accent1"/>
-            </a:fillRef>
-            <a:effectRef idx="0">
-              <a:schemeClr val="accent1"/>
-            </a:effectRef>
-            <a:fontRef idx="minor">
-              <a:schemeClr val="tx1"/>
-            </a:fontRef>
-          </p:style>
-        </p:cxnSp>
-        <p:cxnSp>
-          <p:nvCxnSpPr>
-            <p:cNvPr id="60" name="Egyenes összekötő nyíllal 59">
-              <a:extLst>
-                <a:ext uri="{FF2B5EF4-FFF2-40B4-BE49-F238E27FC236}">
-                  <a16:creationId xmlns:a16="http://schemas.microsoft.com/office/drawing/2014/main" id="{D9CFBD88-1A0C-4834-8696-3BA6B97843A0}"/>
-                </a:ext>
-              </a:extLst>
-            </p:cNvPr>
-            <p:cNvCxnSpPr>
-              <a:cxnSpLocks/>
-              <a:stCxn id="49" idx="5"/>
-              <a:endCxn id="53" idx="1"/>
-            </p:cNvCxnSpPr>
-            <p:nvPr/>
-          </p:nvCxnSpPr>
-          <p:spPr>
-            <a:xfrm>
-              <a:off x="3751965" y="3489820"/>
-              <a:ext cx="1771585" cy="1922925"/>
-            </a:xfrm>
-            <a:prstGeom prst="straightConnector1">
-              <a:avLst/>
-            </a:prstGeom>
-            <a:ln w="57150">
-              <a:solidFill>
-                <a:schemeClr val="tx1">
-                  <a:lumMod val="65000"/>
-                  <a:lumOff val="35000"/>
-                </a:schemeClr>
-              </a:solidFill>
-              <a:headEnd type="triangle"/>
-              <a:tailEnd type="triangle"/>
-            </a:ln>
-          </p:spPr>
-          <p:style>
-            <a:lnRef idx="1">
-              <a:schemeClr val="accent1"/>
-            </a:lnRef>
-            <a:fillRef idx="0">
-              <a:schemeClr val="accent1"/>
-            </a:fillRef>
-            <a:effectRef idx="0">
-              <a:schemeClr val="accent1"/>
-            </a:effectRef>
-            <a:fontRef idx="minor">
-              <a:schemeClr val="tx1"/>
-            </a:fontRef>
-          </p:style>
-        </p:cxnSp>
-        <p:cxnSp>
-          <p:nvCxnSpPr>
-            <p:cNvPr id="63" name="Egyenes összekötő nyíllal 62">
-              <a:extLst>
-                <a:ext uri="{FF2B5EF4-FFF2-40B4-BE49-F238E27FC236}">
-                  <a16:creationId xmlns:a16="http://schemas.microsoft.com/office/drawing/2014/main" id="{630FFA57-E36B-428E-9940-9ACFAA63F724}"/>
-                </a:ext>
-              </a:extLst>
-            </p:cNvPr>
-            <p:cNvCxnSpPr>
-              <a:cxnSpLocks/>
-              <a:stCxn id="50" idx="4"/>
-              <a:endCxn id="53" idx="0"/>
-            </p:cNvCxnSpPr>
-            <p:nvPr/>
-          </p:nvCxnSpPr>
-          <p:spPr>
-            <a:xfrm flipH="1">
-              <a:off x="6274004" y="3907632"/>
-              <a:ext cx="787157" cy="1340831"/>
-            </a:xfrm>
-            <a:prstGeom prst="straightConnector1">
-              <a:avLst/>
-            </a:prstGeom>
-            <a:ln w="57150">
-              <a:solidFill>
-                <a:schemeClr val="tx1">
-                  <a:lumMod val="65000"/>
-                  <a:lumOff val="35000"/>
-                </a:schemeClr>
-              </a:solidFill>
-              <a:headEnd type="triangle"/>
-              <a:tailEnd type="triangle"/>
-            </a:ln>
-          </p:spPr>
-          <p:style>
-            <a:lnRef idx="1">
-              <a:schemeClr val="accent1"/>
-            </a:lnRef>
-            <a:fillRef idx="0">
-              <a:schemeClr val="accent1"/>
-            </a:fillRef>
-            <a:effectRef idx="0">
-              <a:schemeClr val="accent1"/>
-            </a:effectRef>
-            <a:fontRef idx="minor">
-              <a:schemeClr val="tx1"/>
-            </a:fontRef>
-          </p:style>
-        </p:cxnSp>
-        <p:cxnSp>
-          <p:nvCxnSpPr>
-            <p:cNvPr id="70" name="Egyenes összekötő nyíllal 69">
-              <a:extLst>
-                <a:ext uri="{FF2B5EF4-FFF2-40B4-BE49-F238E27FC236}">
-                  <a16:creationId xmlns:a16="http://schemas.microsoft.com/office/drawing/2014/main" id="{7297BDD0-6ED7-443B-A5EE-C4BB34DF28A0}"/>
-                </a:ext>
-              </a:extLst>
-            </p:cNvPr>
-            <p:cNvCxnSpPr>
-              <a:cxnSpLocks/>
-              <a:stCxn id="49" idx="6"/>
-              <a:endCxn id="50" idx="1"/>
-            </p:cNvCxnSpPr>
-            <p:nvPr/>
-          </p:nvCxnSpPr>
-          <p:spPr>
-            <a:xfrm flipV="1">
-              <a:off x="4005024" y="2950124"/>
-              <a:ext cx="2668437" cy="143083"/>
-            </a:xfrm>
-            <a:prstGeom prst="straightConnector1">
-              <a:avLst/>
-            </a:prstGeom>
-            <a:ln w="57150">
-              <a:solidFill>
-                <a:schemeClr val="tx1">
-                  <a:lumMod val="65000"/>
-                  <a:lumOff val="35000"/>
-                </a:schemeClr>
-              </a:solidFill>
-              <a:tailEnd type="triangle"/>
-            </a:ln>
-          </p:spPr>
-          <p:style>
-            <a:lnRef idx="1">
-              <a:schemeClr val="accent1"/>
-            </a:lnRef>
-            <a:fillRef idx="0">
-              <a:schemeClr val="accent1"/>
-            </a:fillRef>
-            <a:effectRef idx="0">
-              <a:schemeClr val="accent1"/>
-            </a:effectRef>
-            <a:fontRef idx="minor">
-              <a:schemeClr val="tx1"/>
-            </a:fontRef>
-          </p:style>
-        </p:cxnSp>
-      </p:grpSp>
-      <p:grpSp>
-        <p:nvGrpSpPr>
-          <p:cNvPr id="137" name="Csoportba foglalás 136">
-            <a:extLst>
-              <a:ext uri="{FF2B5EF4-FFF2-40B4-BE49-F238E27FC236}">
-                <a16:creationId xmlns:a16="http://schemas.microsoft.com/office/drawing/2014/main" id="{5C462B19-A5F1-4F59-ABBE-630D33854AB5}"/>
-              </a:ext>
-            </a:extLst>
-          </p:cNvPr>
-          <p:cNvGrpSpPr/>
-          <p:nvPr/>
-        </p:nvGrpSpPr>
-        <p:grpSpPr>
-          <a:xfrm>
-            <a:off x="1114069" y="-642757"/>
-            <a:ext cx="2812641" cy="7792474"/>
-            <a:chOff x="-2812641" y="1778246"/>
-            <a:chExt cx="2812641" cy="7792474"/>
-          </a:xfrm>
-        </p:grpSpPr>
-        <p:grpSp>
-          <p:nvGrpSpPr>
-            <p:cNvPr id="88" name="Csoportba foglalás 87">
-              <a:extLst>
-                <a:ext uri="{FF2B5EF4-FFF2-40B4-BE49-F238E27FC236}">
-                  <a16:creationId xmlns:a16="http://schemas.microsoft.com/office/drawing/2014/main" id="{2F088B3A-1D6E-48DD-92A4-D6D754144A48}"/>
-                </a:ext>
-              </a:extLst>
-            </p:cNvPr>
-            <p:cNvGrpSpPr/>
-            <p:nvPr/>
-          </p:nvGrpSpPr>
-          <p:grpSpPr>
-            <a:xfrm>
-              <a:off x="-2812641" y="1778246"/>
-              <a:ext cx="2812641" cy="7792474"/>
-              <a:chOff x="5778205" y="487680"/>
-              <a:chExt cx="2812641" cy="6790354"/>
-            </a:xfrm>
-          </p:grpSpPr>
-          <p:sp>
-            <p:nvSpPr>
-              <p:cNvPr id="83" name="Téglalap 82">
-                <a:extLst>
-                  <a:ext uri="{FF2B5EF4-FFF2-40B4-BE49-F238E27FC236}">
-                    <a16:creationId xmlns:a16="http://schemas.microsoft.com/office/drawing/2014/main" id="{78AF2BDC-CC5A-4C7E-A019-9DEB9F192EF4}"/>
-                  </a:ext>
-                </a:extLst>
-              </p:cNvPr>
-              <p:cNvSpPr/>
-              <p:nvPr/>
-            </p:nvSpPr>
-            <p:spPr>
-              <a:xfrm>
-                <a:off x="5778205" y="487680"/>
-                <a:ext cx="2812641" cy="6790354"/>
-              </a:xfrm>
-              <a:prstGeom prst="rect">
-                <a:avLst/>
-              </a:prstGeom>
-              <a:solidFill>
-                <a:schemeClr val="accent4">
-                  <a:lumMod val="20000"/>
-                  <a:lumOff val="80000"/>
-                </a:schemeClr>
-              </a:solidFill>
-            </p:spPr>
-            <p:style>
-              <a:lnRef idx="2">
-                <a:schemeClr val="accent1">
-                  <a:shade val="50000"/>
-                </a:schemeClr>
-              </a:lnRef>
-              <a:fillRef idx="1">
-                <a:schemeClr val="accent1"/>
-              </a:fillRef>
-              <a:effectRef idx="0">
-                <a:schemeClr val="accent1"/>
-              </a:effectRef>
-              <a:fontRef idx="minor">
-                <a:schemeClr val="lt1"/>
-              </a:fontRef>
-            </p:style>
-            <p:txBody>
-              <a:bodyPr rtlCol="0" anchor="ctr"/>
-              <a:lstStyle/>
-              <a:p>
-                <a:pPr algn="ctr"/>
-                <a:endParaRPr lang="hu-HU" dirty="0"/>
-              </a:p>
-            </p:txBody>
-          </p:sp>
-          <p:sp>
-            <p:nvSpPr>
-              <p:cNvPr id="7" name="Ellipszis 6">
-                <a:hlinkClick r:id="rId5" action="ppaction://hlinksldjump"/>
-                <a:extLst>
-                  <a:ext uri="{FF2B5EF4-FFF2-40B4-BE49-F238E27FC236}">
-                    <a16:creationId xmlns:a16="http://schemas.microsoft.com/office/drawing/2014/main" id="{412423C2-7777-4785-BFD2-92069C419DE3}"/>
-                  </a:ext>
-                </a:extLst>
-              </p:cNvPr>
-              <p:cNvSpPr/>
-              <p:nvPr/>
-            </p:nvSpPr>
-            <p:spPr>
-              <a:xfrm>
-                <a:off x="5996311" y="3172352"/>
-                <a:ext cx="2254579" cy="1121790"/>
-              </a:xfrm>
-              <a:prstGeom prst="ellipse">
-                <a:avLst/>
-              </a:prstGeom>
-            </p:spPr>
-            <p:style>
-              <a:lnRef idx="2">
-                <a:schemeClr val="accent1">
-                  <a:shade val="50000"/>
-                </a:schemeClr>
-              </a:lnRef>
-              <a:fillRef idx="1">
-                <a:schemeClr val="accent1"/>
-              </a:fillRef>
-              <a:effectRef idx="0">
-                <a:schemeClr val="accent1"/>
-              </a:effectRef>
-              <a:fontRef idx="minor">
-                <a:schemeClr val="lt1"/>
-              </a:fontRef>
-            </p:style>
-            <p:txBody>
-              <a:bodyPr rtlCol="0" anchor="ctr"/>
-              <a:lstStyle/>
-              <a:p>
-                <a:pPr algn="ctr"/>
-                <a:r>
-                  <a:rPr lang="hu-HU" dirty="0"/>
-                  <a:t>Kérdéssorok</a:t>
-                </a:r>
-              </a:p>
-            </p:txBody>
-          </p:sp>
-          <p:sp>
-            <p:nvSpPr>
-              <p:cNvPr id="8" name="Ellipszis 7">
-                <a:hlinkClick r:id="rId6" action="ppaction://hlinksldjump"/>
-                <a:extLst>
-                  <a:ext uri="{FF2B5EF4-FFF2-40B4-BE49-F238E27FC236}">
-                    <a16:creationId xmlns:a16="http://schemas.microsoft.com/office/drawing/2014/main" id="{FD9F5536-1BC6-4144-BA99-8E2FE2FD3671}"/>
-                  </a:ext>
-                </a:extLst>
-              </p:cNvPr>
-              <p:cNvSpPr/>
-              <p:nvPr/>
-            </p:nvSpPr>
-            <p:spPr>
-              <a:xfrm>
-                <a:off x="5977029" y="4586194"/>
-                <a:ext cx="2254579" cy="1121790"/>
-              </a:xfrm>
-              <a:prstGeom prst="ellipse">
-                <a:avLst/>
-              </a:prstGeom>
-            </p:spPr>
-            <p:style>
-              <a:lnRef idx="2">
-                <a:schemeClr val="accent1">
-                  <a:shade val="50000"/>
-                </a:schemeClr>
-              </a:lnRef>
-              <a:fillRef idx="1">
-                <a:schemeClr val="accent1"/>
-              </a:fillRef>
-              <a:effectRef idx="0">
-                <a:schemeClr val="accent1"/>
-              </a:effectRef>
-              <a:fontRef idx="minor">
-                <a:schemeClr val="lt1"/>
-              </a:fontRef>
-            </p:style>
-            <p:txBody>
-              <a:bodyPr rtlCol="0" anchor="ctr"/>
-              <a:lstStyle/>
-              <a:p>
-                <a:pPr algn="ctr"/>
-                <a:r>
-                  <a:rPr lang="hu-HU" dirty="0"/>
-                  <a:t>Statisztikák</a:t>
-                </a:r>
-              </a:p>
-            </p:txBody>
-          </p:sp>
-          <p:sp>
-            <p:nvSpPr>
-              <p:cNvPr id="33" name="Ellipszis 32">
-                <a:hlinkClick r:id="rId7" action="ppaction://hlinksldjump"/>
-                <a:extLst>
-                  <a:ext uri="{FF2B5EF4-FFF2-40B4-BE49-F238E27FC236}">
-                    <a16:creationId xmlns:a16="http://schemas.microsoft.com/office/drawing/2014/main" id="{037A3A6F-8533-4787-A9C1-EEAB7AF5654B}"/>
-                  </a:ext>
-                </a:extLst>
-              </p:cNvPr>
-              <p:cNvSpPr/>
-              <p:nvPr/>
-            </p:nvSpPr>
-            <p:spPr>
-              <a:xfrm>
-                <a:off x="5977029" y="5938077"/>
-                <a:ext cx="2254579" cy="1121790"/>
-              </a:xfrm>
-              <a:prstGeom prst="ellipse">
-                <a:avLst/>
-              </a:prstGeom>
-            </p:spPr>
-            <p:style>
-              <a:lnRef idx="2">
-                <a:schemeClr val="accent1">
-                  <a:shade val="50000"/>
-                </a:schemeClr>
-              </a:lnRef>
-              <a:fillRef idx="1">
-                <a:schemeClr val="accent1"/>
-              </a:fillRef>
-              <a:effectRef idx="0">
-                <a:schemeClr val="accent1"/>
-              </a:effectRef>
-              <a:fontRef idx="minor">
-                <a:schemeClr val="lt1"/>
-              </a:fontRef>
-            </p:style>
-            <p:txBody>
-              <a:bodyPr rtlCol="0" anchor="ctr"/>
-              <a:lstStyle/>
-              <a:p>
-                <a:pPr algn="ctr"/>
-                <a:r>
-                  <a:rPr lang="hu-HU" dirty="0"/>
-                  <a:t>Játékos bevitele</a:t>
-                </a:r>
-              </a:p>
-            </p:txBody>
-          </p:sp>
-          <p:sp>
-            <p:nvSpPr>
-              <p:cNvPr id="84" name="Szövegdoboz 83">
-                <a:extLst>
-                  <a:ext uri="{FF2B5EF4-FFF2-40B4-BE49-F238E27FC236}">
-                    <a16:creationId xmlns:a16="http://schemas.microsoft.com/office/drawing/2014/main" id="{47CB2751-2DF5-4048-B458-E14FAC87D069}"/>
-                  </a:ext>
-                </a:extLst>
-              </p:cNvPr>
-              <p:cNvSpPr txBox="1"/>
-              <p:nvPr/>
-            </p:nvSpPr>
-            <p:spPr>
-              <a:xfrm>
-                <a:off x="5977030" y="680973"/>
-                <a:ext cx="2159053" cy="461665"/>
-              </a:xfrm>
-              <a:prstGeom prst="rect">
-                <a:avLst/>
-              </a:prstGeom>
-              <a:noFill/>
-            </p:spPr>
-            <p:txBody>
-              <a:bodyPr wrap="none" rtlCol="0">
-                <a:spAutoFit/>
-              </a:bodyPr>
-              <a:lstStyle/>
-              <a:p>
-                <a:r>
-                  <a:rPr lang="hu-HU" sz="2400" dirty="0"/>
-                  <a:t>Fő menüpontok</a:t>
-                </a:r>
-              </a:p>
-            </p:txBody>
-          </p:sp>
-        </p:grpSp>
-        <p:sp>
-          <p:nvSpPr>
-            <p:cNvPr id="6" name="Ellipszis 5">
-              <a:hlinkClick r:id="rId2" action="ppaction://hlinksldjump"/>
-              <a:extLst>
-                <a:ext uri="{FF2B5EF4-FFF2-40B4-BE49-F238E27FC236}">
-                  <a16:creationId xmlns:a16="http://schemas.microsoft.com/office/drawing/2014/main" id="{449B8F8B-B22E-4208-BBD5-DF4FF2CB2FB3}"/>
-                </a:ext>
-              </a:extLst>
-            </p:cNvPr>
-            <p:cNvSpPr/>
-            <p:nvPr/>
-          </p:nvSpPr>
-          <p:spPr>
-            <a:xfrm>
-              <a:off x="-2560344" y="3370630"/>
-              <a:ext cx="2254579" cy="1121790"/>
-            </a:xfrm>
-            <a:prstGeom prst="ellipse">
-              <a:avLst/>
-            </a:prstGeom>
-          </p:spPr>
-          <p:style>
-            <a:lnRef idx="2">
-              <a:schemeClr val="accent1">
-                <a:shade val="50000"/>
-              </a:schemeClr>
-            </a:lnRef>
-            <a:fillRef idx="1">
-              <a:schemeClr val="accent1"/>
-            </a:fillRef>
-            <a:effectRef idx="0">
-              <a:schemeClr val="accent1"/>
-            </a:effectRef>
-            <a:fontRef idx="minor">
-              <a:schemeClr val="lt1"/>
-            </a:fontRef>
-          </p:style>
-          <p:txBody>
-            <a:bodyPr rtlCol="0" anchor="ctr"/>
-            <a:lstStyle/>
-            <a:p>
-              <a:pPr algn="ctr"/>
-              <a:r>
-                <a:rPr lang="hu-HU" dirty="0"/>
-                <a:t>Új játék</a:t>
-              </a:r>
-            </a:p>
-          </p:txBody>
-        </p:sp>
-      </p:grpSp>
-      <p:cxnSp>
-        <p:nvCxnSpPr>
-          <p:cNvPr id="89" name="Egyenes összekötő nyíllal 88">
-            <a:extLst>
-              <a:ext uri="{FF2B5EF4-FFF2-40B4-BE49-F238E27FC236}">
-                <a16:creationId xmlns:a16="http://schemas.microsoft.com/office/drawing/2014/main" id="{45D57E1C-0E69-4B98-B6B5-EAD1486ED2A6}"/>
-              </a:ext>
-            </a:extLst>
-          </p:cNvPr>
-          <p:cNvCxnSpPr>
-            <a:cxnSpLocks/>
-            <a:stCxn id="2" idx="6"/>
-            <a:endCxn id="83" idx="1"/>
-          </p:cNvCxnSpPr>
-          <p:nvPr/>
-        </p:nvCxnSpPr>
-        <p:spPr>
-          <a:xfrm>
-            <a:off x="-483796" y="3164568"/>
-            <a:ext cx="1597865" cy="88912"/>
-          </a:xfrm>
-          <a:prstGeom prst="straightConnector1">
-            <a:avLst/>
-          </a:prstGeom>
-          <a:ln w="57150">
-            <a:solidFill>
-              <a:schemeClr val="tx1">
-                <a:lumMod val="65000"/>
-                <a:lumOff val="35000"/>
-              </a:schemeClr>
-            </a:solidFill>
-            <a:headEnd type="triangle"/>
-            <a:tailEnd type="triangle"/>
-          </a:ln>
-        </p:spPr>
-        <p:style>
-          <a:lnRef idx="1">
-            <a:schemeClr val="accent1"/>
-          </a:lnRef>
-          <a:fillRef idx="0">
-            <a:schemeClr val="accent1"/>
-          </a:fillRef>
-          <a:effectRef idx="0">
-            <a:schemeClr val="accent1"/>
-          </a:effectRef>
-          <a:fontRef idx="minor">
-            <a:schemeClr val="tx1"/>
-          </a:fontRef>
-        </p:style>
-      </p:cxnSp>
-      <p:cxnSp>
-        <p:nvCxnSpPr>
-          <p:cNvPr id="127" name="Egyenes összekötő nyíllal 126">
-            <a:extLst>
-              <a:ext uri="{FF2B5EF4-FFF2-40B4-BE49-F238E27FC236}">
-                <a16:creationId xmlns:a16="http://schemas.microsoft.com/office/drawing/2014/main" id="{9B888FC3-2C5E-428E-8FA0-EA6B9BE88A98}"/>
-              </a:ext>
-            </a:extLst>
-          </p:cNvPr>
-          <p:cNvCxnSpPr>
-            <a:cxnSpLocks/>
-            <a:stCxn id="40" idx="6"/>
-            <a:endCxn id="105" idx="1"/>
-          </p:cNvCxnSpPr>
-          <p:nvPr/>
-        </p:nvCxnSpPr>
-        <p:spPr>
-          <a:xfrm flipV="1">
-            <a:off x="6817004" y="185812"/>
-            <a:ext cx="1448288" cy="304464"/>
-          </a:xfrm>
-          <a:prstGeom prst="straightConnector1">
-            <a:avLst/>
-          </a:prstGeom>
-          <a:ln w="57150">
-            <a:solidFill>
-              <a:schemeClr val="tx1">
-                <a:lumMod val="65000"/>
-                <a:lumOff val="35000"/>
-              </a:schemeClr>
-            </a:solidFill>
-            <a:headEnd type="triangle"/>
-            <a:tailEnd type="triangle"/>
-          </a:ln>
-        </p:spPr>
-        <p:style>
-          <a:lnRef idx="1">
-            <a:schemeClr val="accent1"/>
-          </a:lnRef>
-          <a:fillRef idx="0">
-            <a:schemeClr val="accent1"/>
-          </a:fillRef>
-          <a:effectRef idx="0">
-            <a:schemeClr val="accent1"/>
-          </a:effectRef>
-          <a:fontRef idx="minor">
-            <a:schemeClr val="tx1"/>
-          </a:fontRef>
-        </p:style>
-      </p:cxnSp>
-      <p:cxnSp>
-        <p:nvCxnSpPr>
-          <p:cNvPr id="45" name="Egyenes összekötő nyíllal 44">
-            <a:extLst>
-              <a:ext uri="{FF2B5EF4-FFF2-40B4-BE49-F238E27FC236}">
-                <a16:creationId xmlns:a16="http://schemas.microsoft.com/office/drawing/2014/main" id="{BFD1F9E0-2C24-40AD-9E9B-A89328648DC2}"/>
-              </a:ext>
-            </a:extLst>
-          </p:cNvPr>
-          <p:cNvCxnSpPr>
-            <a:cxnSpLocks/>
-            <a:stCxn id="6" idx="6"/>
-            <a:endCxn id="40" idx="2"/>
-          </p:cNvCxnSpPr>
-          <p:nvPr/>
-        </p:nvCxnSpPr>
-        <p:spPr>
-          <a:xfrm flipV="1">
-            <a:off x="3620945" y="490276"/>
-            <a:ext cx="941480" cy="1020246"/>
-          </a:xfrm>
-          <a:prstGeom prst="straightConnector1">
-            <a:avLst/>
-          </a:prstGeom>
-          <a:ln w="57150">
-            <a:solidFill>
-              <a:schemeClr val="tx1">
-                <a:lumMod val="65000"/>
-                <a:lumOff val="35000"/>
-              </a:schemeClr>
-            </a:solidFill>
-            <a:tailEnd type="triangle"/>
-          </a:ln>
-        </p:spPr>
-        <p:style>
-          <a:lnRef idx="1">
-            <a:schemeClr val="accent1"/>
-          </a:lnRef>
-          <a:fillRef idx="0">
-            <a:schemeClr val="accent1"/>
-          </a:fillRef>
-          <a:effectRef idx="0">
-            <a:schemeClr val="accent1"/>
-          </a:effectRef>
-          <a:fontRef idx="minor">
-            <a:schemeClr val="tx1"/>
-          </a:fontRef>
-        </p:style>
-      </p:cxnSp>
-      <p:sp>
-        <p:nvSpPr>
-          <p:cNvPr id="28" name="Ellipszis 27">
-            <a:extLst>
-              <a:ext uri="{FF2B5EF4-FFF2-40B4-BE49-F238E27FC236}">
-                <a16:creationId xmlns:a16="http://schemas.microsoft.com/office/drawing/2014/main" id="{6E83BAB9-019C-4387-9028-27A25B1C4733}"/>
-              </a:ext>
-            </a:extLst>
-          </p:cNvPr>
-          <p:cNvSpPr/>
-          <p:nvPr/>
-        </p:nvSpPr>
-        <p:spPr>
-          <a:xfrm>
-            <a:off x="8490516" y="4197949"/>
-            <a:ext cx="1692334" cy="1121790"/>
-          </a:xfrm>
-          <a:prstGeom prst="ellipse">
-            <a:avLst/>
-          </a:prstGeom>
-        </p:spPr>
-        <p:style>
-          <a:lnRef idx="2">
-            <a:schemeClr val="accent1">
-              <a:shade val="50000"/>
-            </a:schemeClr>
-          </a:lnRef>
-          <a:fillRef idx="1">
-            <a:schemeClr val="accent1"/>
-          </a:fillRef>
-          <a:effectRef idx="0">
-            <a:schemeClr val="accent1"/>
-          </a:effectRef>
-          <a:fontRef idx="minor">
-            <a:schemeClr val="lt1"/>
-          </a:fontRef>
-        </p:style>
-        <p:txBody>
-          <a:bodyPr rtlCol="0" anchor="ctr"/>
-          <a:lstStyle/>
-          <a:p>
-            <a:pPr algn="ctr"/>
-            <a:r>
-              <a:rPr lang="hu-HU" dirty="0"/>
-              <a:t>Játék vége</a:t>
-            </a:r>
-          </a:p>
-        </p:txBody>
-      </p:sp>
-      <p:cxnSp>
-        <p:nvCxnSpPr>
-          <p:cNvPr id="29" name="Egyenes összekötő nyíllal 28">
-            <a:extLst>
-              <a:ext uri="{FF2B5EF4-FFF2-40B4-BE49-F238E27FC236}">
-                <a16:creationId xmlns:a16="http://schemas.microsoft.com/office/drawing/2014/main" id="{E234A615-4476-4DBF-8CBB-B3819E13980B}"/>
-              </a:ext>
-            </a:extLst>
-          </p:cNvPr>
-          <p:cNvCxnSpPr>
-            <a:cxnSpLocks/>
-            <a:stCxn id="51" idx="4"/>
-            <a:endCxn id="28" idx="0"/>
-          </p:cNvCxnSpPr>
-          <p:nvPr/>
-        </p:nvCxnSpPr>
-        <p:spPr>
-          <a:xfrm>
-            <a:off x="9250724" y="2210471"/>
-            <a:ext cx="85959" cy="1987478"/>
-          </a:xfrm>
-          <a:prstGeom prst="straightConnector1">
-            <a:avLst/>
-          </a:prstGeom>
-          <a:ln w="57150">
-            <a:solidFill>
-              <a:schemeClr val="tx1">
-                <a:lumMod val="65000"/>
-                <a:lumOff val="35000"/>
-              </a:schemeClr>
-            </a:solidFill>
-            <a:tailEnd type="triangle"/>
-          </a:ln>
-        </p:spPr>
-        <p:style>
-          <a:lnRef idx="1">
-            <a:schemeClr val="accent1"/>
-          </a:lnRef>
-          <a:fillRef idx="0">
-            <a:schemeClr val="accent1"/>
-          </a:fillRef>
-          <a:effectRef idx="0">
-            <a:schemeClr val="accent1"/>
-          </a:effectRef>
-          <a:fontRef idx="minor">
-            <a:schemeClr val="tx1"/>
-          </a:fontRef>
-        </p:style>
-      </p:cxnSp>
-      <p:cxnSp>
-        <p:nvCxnSpPr>
-          <p:cNvPr id="11" name="Összekötő: görbe 10">
-            <a:extLst>
-              <a:ext uri="{FF2B5EF4-FFF2-40B4-BE49-F238E27FC236}">
-                <a16:creationId xmlns:a16="http://schemas.microsoft.com/office/drawing/2014/main" id="{A134B1D2-DAB2-4D24-87E1-ED96CBDE8737}"/>
-              </a:ext>
-            </a:extLst>
-          </p:cNvPr>
-          <p:cNvCxnSpPr>
-            <a:stCxn id="28" idx="4"/>
-            <a:endCxn id="2" idx="4"/>
-          </p:cNvCxnSpPr>
-          <p:nvPr/>
-        </p:nvCxnSpPr>
-        <p:spPr>
-          <a:xfrm rot="5400000" flipH="1">
-            <a:off x="3042488" y="-974456"/>
-            <a:ext cx="1594276" cy="10994115"/>
-          </a:xfrm>
-          <a:prstGeom prst="curvedConnector3">
-            <a:avLst>
-              <a:gd name="adj1" fmla="val -182581"/>
-            </a:avLst>
-          </a:prstGeom>
-          <a:ln w="57150">
-            <a:solidFill>
-              <a:schemeClr val="tx1">
-                <a:lumMod val="50000"/>
-                <a:lumOff val="50000"/>
-              </a:schemeClr>
-            </a:solidFill>
-            <a:tailEnd type="triangle"/>
-          </a:ln>
-        </p:spPr>
-        <p:style>
-          <a:lnRef idx="1">
-            <a:schemeClr val="accent1"/>
-          </a:lnRef>
-          <a:fillRef idx="0">
-            <a:schemeClr val="accent1"/>
-          </a:fillRef>
-          <a:effectRef idx="0">
-            <a:schemeClr val="accent1"/>
-          </a:effectRef>
-          <a:fontRef idx="minor">
-            <a:schemeClr val="tx1"/>
-          </a:fontRef>
-        </p:style>
-      </p:cxnSp>
-    </p:spTree>
-    <p:extLst>
-      <p:ext uri="{BB962C8B-B14F-4D97-AF65-F5344CB8AC3E}">
-        <p14:creationId xmlns:p14="http://schemas.microsoft.com/office/powerpoint/2010/main" val="1778679840"/>
-      </p:ext>
-    </p:extLst>
-  </p:cSld>
-  <p:clrMapOvr>
-    <a:masterClrMapping/>
-  </p:clrMapOvr>
-</p:sld>
-</file>
-
-<file path=ppt/slides/slide20.xml><?xml version="1.0" encoding="utf-8"?>
+<file path=ppt/slides/slide21.xml><?xml version="1.0" encoding="utf-8"?>
 <p:sld xmlns:a="http://schemas.openxmlformats.org/drawingml/2006/main" xmlns:r="http://schemas.openxmlformats.org/officeDocument/2006/relationships" xmlns:p="http://schemas.openxmlformats.org/presentationml/2006/main">
   <p:cSld>
     <p:spTree>
@@ -15334,7 +16375,7 @@
 </p:sld>
 </file>
 
-<file path=ppt/slides/slide21.xml><?xml version="1.0" encoding="utf-8"?>
+<file path=ppt/slides/slide22.xml><?xml version="1.0" encoding="utf-8"?>
 <p:sld xmlns:a="http://schemas.openxmlformats.org/drawingml/2006/main" xmlns:r="http://schemas.openxmlformats.org/officeDocument/2006/relationships" xmlns:p="http://schemas.openxmlformats.org/presentationml/2006/main">
   <p:cSld>
     <p:spTree>
@@ -15785,7 +16826,7 @@
 </p:sld>
 </file>
 
-<file path=ppt/slides/slide22.xml><?xml version="1.0" encoding="utf-8"?>
+<file path=ppt/slides/slide23.xml><?xml version="1.0" encoding="utf-8"?>
 <p:sld xmlns:a="http://schemas.openxmlformats.org/drawingml/2006/main" xmlns:r="http://schemas.openxmlformats.org/officeDocument/2006/relationships" xmlns:p="http://schemas.openxmlformats.org/presentationml/2006/main">
   <p:cSld>
     <p:spTree>

--- a/Planning/látványterv.pptx
+++ b/Planning/látványterv.pptx
@@ -25,9 +25,10 @@
     <p:sldId id="280" r:id="rId19"/>
     <p:sldId id="261" r:id="rId20"/>
     <p:sldId id="257" r:id="rId21"/>
-    <p:sldId id="259" r:id="rId22"/>
-    <p:sldId id="270" r:id="rId23"/>
-    <p:sldId id="271" r:id="rId24"/>
+    <p:sldId id="282" r:id="rId22"/>
+    <p:sldId id="259" r:id="rId23"/>
+    <p:sldId id="270" r:id="rId24"/>
+    <p:sldId id="271" r:id="rId25"/>
   </p:sldIdLst>
   <p:sldSz cx="12192000" cy="6858000"/>
   <p:notesSz cx="6858000" cy="9144000"/>
@@ -4852,7 +4853,7 @@
           <a:p>
             <a:fld id="{C36CC8F2-73B3-46F3-9726-A154FD4D3F66}" type="datetimeFigureOut">
               <a:rPr lang="hu-HU" smtClean="0"/>
-              <a:t>2022. 02. 18.</a:t>
+              <a:t>2022. 02. 22.</a:t>
             </a:fld>
             <a:endParaRPr lang="hu-HU"/>
           </a:p>
@@ -5050,7 +5051,7 @@
           <a:p>
             <a:fld id="{C36CC8F2-73B3-46F3-9726-A154FD4D3F66}" type="datetimeFigureOut">
               <a:rPr lang="hu-HU" smtClean="0"/>
-              <a:t>2022. 02. 18.</a:t>
+              <a:t>2022. 02. 22.</a:t>
             </a:fld>
             <a:endParaRPr lang="hu-HU"/>
           </a:p>
@@ -5258,7 +5259,7 @@
           <a:p>
             <a:fld id="{C36CC8F2-73B3-46F3-9726-A154FD4D3F66}" type="datetimeFigureOut">
               <a:rPr lang="hu-HU" smtClean="0"/>
-              <a:t>2022. 02. 18.</a:t>
+              <a:t>2022. 02. 22.</a:t>
             </a:fld>
             <a:endParaRPr lang="hu-HU"/>
           </a:p>
@@ -5456,7 +5457,7 @@
           <a:p>
             <a:fld id="{C36CC8F2-73B3-46F3-9726-A154FD4D3F66}" type="datetimeFigureOut">
               <a:rPr lang="hu-HU" smtClean="0"/>
-              <a:t>2022. 02. 18.</a:t>
+              <a:t>2022. 02. 22.</a:t>
             </a:fld>
             <a:endParaRPr lang="hu-HU"/>
           </a:p>
@@ -5731,7 +5732,7 @@
           <a:p>
             <a:fld id="{C36CC8F2-73B3-46F3-9726-A154FD4D3F66}" type="datetimeFigureOut">
               <a:rPr lang="hu-HU" smtClean="0"/>
-              <a:t>2022. 02. 18.</a:t>
+              <a:t>2022. 02. 22.</a:t>
             </a:fld>
             <a:endParaRPr lang="hu-HU"/>
           </a:p>
@@ -5996,7 +5997,7 @@
           <a:p>
             <a:fld id="{C36CC8F2-73B3-46F3-9726-A154FD4D3F66}" type="datetimeFigureOut">
               <a:rPr lang="hu-HU" smtClean="0"/>
-              <a:t>2022. 02. 18.</a:t>
+              <a:t>2022. 02. 22.</a:t>
             </a:fld>
             <a:endParaRPr lang="hu-HU"/>
           </a:p>
@@ -6408,7 +6409,7 @@
           <a:p>
             <a:fld id="{C36CC8F2-73B3-46F3-9726-A154FD4D3F66}" type="datetimeFigureOut">
               <a:rPr lang="hu-HU" smtClean="0"/>
-              <a:t>2022. 02. 18.</a:t>
+              <a:t>2022. 02. 22.</a:t>
             </a:fld>
             <a:endParaRPr lang="hu-HU"/>
           </a:p>
@@ -6549,7 +6550,7 @@
           <a:p>
             <a:fld id="{C36CC8F2-73B3-46F3-9726-A154FD4D3F66}" type="datetimeFigureOut">
               <a:rPr lang="hu-HU" smtClean="0"/>
-              <a:t>2022. 02. 18.</a:t>
+              <a:t>2022. 02. 22.</a:t>
             </a:fld>
             <a:endParaRPr lang="hu-HU"/>
           </a:p>
@@ -6662,7 +6663,7 @@
           <a:p>
             <a:fld id="{C36CC8F2-73B3-46F3-9726-A154FD4D3F66}" type="datetimeFigureOut">
               <a:rPr lang="hu-HU" smtClean="0"/>
-              <a:t>2022. 02. 18.</a:t>
+              <a:t>2022. 02. 22.</a:t>
             </a:fld>
             <a:endParaRPr lang="hu-HU"/>
           </a:p>
@@ -6973,7 +6974,7 @@
           <a:p>
             <a:fld id="{C36CC8F2-73B3-46F3-9726-A154FD4D3F66}" type="datetimeFigureOut">
               <a:rPr lang="hu-HU" smtClean="0"/>
-              <a:t>2022. 02. 18.</a:t>
+              <a:t>2022. 02. 22.</a:t>
             </a:fld>
             <a:endParaRPr lang="hu-HU"/>
           </a:p>
@@ -7261,7 +7262,7 @@
           <a:p>
             <a:fld id="{C36CC8F2-73B3-46F3-9726-A154FD4D3F66}" type="datetimeFigureOut">
               <a:rPr lang="hu-HU" smtClean="0"/>
-              <a:t>2022. 02. 18.</a:t>
+              <a:t>2022. 02. 22.</a:t>
             </a:fld>
             <a:endParaRPr lang="hu-HU"/>
           </a:p>
@@ -7502,7 +7503,7 @@
           <a:p>
             <a:fld id="{C36CC8F2-73B3-46F3-9726-A154FD4D3F66}" type="datetimeFigureOut">
               <a:rPr lang="hu-HU" smtClean="0"/>
-              <a:t>2022. 02. 18.</a:t>
+              <a:t>2022. 02. 22.</a:t>
             </a:fld>
             <a:endParaRPr lang="hu-HU"/>
           </a:p>
@@ -16182,6 +16183,298 @@
           <a:chExt cx="0" cy="0"/>
         </a:xfrm>
       </p:grpSpPr>
+      <p:sp>
+        <p:nvSpPr>
+          <p:cNvPr id="2" name="Téglalap 1">
+            <a:extLst>
+              <a:ext uri="{FF2B5EF4-FFF2-40B4-BE49-F238E27FC236}">
+                <a16:creationId xmlns:a16="http://schemas.microsoft.com/office/drawing/2014/main" id="{BB5CC4AA-141C-412B-B913-55A9FBBB00AE}"/>
+              </a:ext>
+            </a:extLst>
+          </p:cNvPr>
+          <p:cNvSpPr/>
+          <p:nvPr/>
+        </p:nvSpPr>
+        <p:spPr>
+          <a:xfrm>
+            <a:off x="8661077" y="4398579"/>
+            <a:ext cx="5407572" cy="2695903"/>
+          </a:xfrm>
+          <a:prstGeom prst="rect">
+            <a:avLst/>
+          </a:prstGeom>
+        </p:spPr>
+        <p:style>
+          <a:lnRef idx="2">
+            <a:schemeClr val="accent1">
+              <a:shade val="50000"/>
+            </a:schemeClr>
+          </a:lnRef>
+          <a:fillRef idx="1">
+            <a:schemeClr val="accent1"/>
+          </a:fillRef>
+          <a:effectRef idx="0">
+            <a:schemeClr val="accent1"/>
+          </a:effectRef>
+          <a:fontRef idx="minor">
+            <a:schemeClr val="lt1"/>
+          </a:fontRef>
+        </p:style>
+        <p:txBody>
+          <a:bodyPr rtlCol="0" anchor="ctr"/>
+          <a:lstStyle/>
+          <a:p>
+            <a:pPr algn="ctr"/>
+            <a:endParaRPr lang="hu-HU"/>
+          </a:p>
+        </p:txBody>
+      </p:sp>
+      <p:sp>
+        <p:nvSpPr>
+          <p:cNvPr id="3" name="Téglalap: lekerekített 2">
+            <a:extLst>
+              <a:ext uri="{FF2B5EF4-FFF2-40B4-BE49-F238E27FC236}">
+                <a16:creationId xmlns:a16="http://schemas.microsoft.com/office/drawing/2014/main" id="{E5773F73-09B2-4F0B-B159-FFD1BF4627FF}"/>
+              </a:ext>
+            </a:extLst>
+          </p:cNvPr>
+          <p:cNvSpPr/>
+          <p:nvPr/>
+        </p:nvSpPr>
+        <p:spPr>
+          <a:xfrm>
+            <a:off x="2144110" y="675981"/>
+            <a:ext cx="6245911" cy="2753019"/>
+          </a:xfrm>
+          <a:prstGeom prst="roundRect">
+            <a:avLst>
+              <a:gd name="adj" fmla="val 20163"/>
+            </a:avLst>
+          </a:prstGeom>
+        </p:spPr>
+        <p:style>
+          <a:lnRef idx="2">
+            <a:schemeClr val="accent1">
+              <a:shade val="50000"/>
+            </a:schemeClr>
+          </a:lnRef>
+          <a:fillRef idx="1">
+            <a:schemeClr val="accent1"/>
+          </a:fillRef>
+          <a:effectRef idx="0">
+            <a:schemeClr val="accent1"/>
+          </a:effectRef>
+          <a:fontRef idx="minor">
+            <a:schemeClr val="lt1"/>
+          </a:fontRef>
+        </p:style>
+        <p:txBody>
+          <a:bodyPr rtlCol="0" anchor="ctr"/>
+          <a:lstStyle/>
+          <a:p>
+            <a:pPr algn="ctr"/>
+            <a:endParaRPr lang="hu-HU"/>
+          </a:p>
+        </p:txBody>
+      </p:sp>
+      <p:sp>
+        <p:nvSpPr>
+          <p:cNvPr id="4" name="Téglalap: lekerekített 3">
+            <a:extLst>
+              <a:ext uri="{FF2B5EF4-FFF2-40B4-BE49-F238E27FC236}">
+                <a16:creationId xmlns:a16="http://schemas.microsoft.com/office/drawing/2014/main" id="{6F1B407B-890B-4A06-B8C1-B8C990899FB6}"/>
+              </a:ext>
+            </a:extLst>
+          </p:cNvPr>
+          <p:cNvSpPr/>
+          <p:nvPr/>
+        </p:nvSpPr>
+        <p:spPr>
+          <a:xfrm>
+            <a:off x="1417320" y="675981"/>
+            <a:ext cx="1550471" cy="817539"/>
+          </a:xfrm>
+          <a:prstGeom prst="roundRect">
+            <a:avLst/>
+          </a:prstGeom>
+          <a:ln>
+            <a:noFill/>
+          </a:ln>
+        </p:spPr>
+        <p:style>
+          <a:lnRef idx="2">
+            <a:schemeClr val="accent1">
+              <a:shade val="50000"/>
+            </a:schemeClr>
+          </a:lnRef>
+          <a:fillRef idx="1">
+            <a:schemeClr val="accent1"/>
+          </a:fillRef>
+          <a:effectRef idx="0">
+            <a:schemeClr val="accent1"/>
+          </a:effectRef>
+          <a:fontRef idx="minor">
+            <a:schemeClr val="lt1"/>
+          </a:fontRef>
+        </p:style>
+        <p:txBody>
+          <a:bodyPr rtlCol="0" anchor="ctr"/>
+          <a:lstStyle/>
+          <a:p>
+            <a:pPr algn="ctr"/>
+            <a:endParaRPr lang="hu-HU"/>
+          </a:p>
+        </p:txBody>
+      </p:sp>
+      <p:sp>
+        <p:nvSpPr>
+          <p:cNvPr id="5" name="Téglalap: lekerekített 4">
+            <a:extLst>
+              <a:ext uri="{FF2B5EF4-FFF2-40B4-BE49-F238E27FC236}">
+                <a16:creationId xmlns:a16="http://schemas.microsoft.com/office/drawing/2014/main" id="{DBE770DE-6FB9-4B4C-A9FE-E84E260668E1}"/>
+              </a:ext>
+            </a:extLst>
+          </p:cNvPr>
+          <p:cNvSpPr/>
+          <p:nvPr/>
+        </p:nvSpPr>
+        <p:spPr>
+          <a:xfrm>
+            <a:off x="1691640" y="1356360"/>
+            <a:ext cx="1550471" cy="817539"/>
+          </a:xfrm>
+          <a:prstGeom prst="roundRect">
+            <a:avLst/>
+          </a:prstGeom>
+          <a:ln>
+            <a:noFill/>
+          </a:ln>
+        </p:spPr>
+        <p:style>
+          <a:lnRef idx="2">
+            <a:schemeClr val="accent1">
+              <a:shade val="50000"/>
+            </a:schemeClr>
+          </a:lnRef>
+          <a:fillRef idx="1">
+            <a:schemeClr val="accent1"/>
+          </a:fillRef>
+          <a:effectRef idx="0">
+            <a:schemeClr val="accent1"/>
+          </a:effectRef>
+          <a:fontRef idx="minor">
+            <a:schemeClr val="lt1"/>
+          </a:fontRef>
+        </p:style>
+        <p:txBody>
+          <a:bodyPr rtlCol="0" anchor="ctr"/>
+          <a:lstStyle/>
+          <a:p>
+            <a:pPr algn="ctr"/>
+            <a:endParaRPr lang="hu-HU"/>
+          </a:p>
+        </p:txBody>
+      </p:sp>
+      <p:sp>
+        <p:nvSpPr>
+          <p:cNvPr id="6" name="Szövegdoboz 5">
+            <a:extLst>
+              <a:ext uri="{FF2B5EF4-FFF2-40B4-BE49-F238E27FC236}">
+                <a16:creationId xmlns:a16="http://schemas.microsoft.com/office/drawing/2014/main" id="{4A33A39D-BF45-49F0-8322-1C0E8459D82C}"/>
+              </a:ext>
+            </a:extLst>
+          </p:cNvPr>
+          <p:cNvSpPr txBox="1"/>
+          <p:nvPr/>
+        </p:nvSpPr>
+        <p:spPr>
+          <a:xfrm>
+            <a:off x="1787837" y="1580463"/>
+            <a:ext cx="301686" cy="369332"/>
+          </a:xfrm>
+          <a:prstGeom prst="rect">
+            <a:avLst/>
+          </a:prstGeom>
+          <a:noFill/>
+        </p:spPr>
+        <p:txBody>
+          <a:bodyPr wrap="none" rtlCol="0">
+            <a:spAutoFit/>
+          </a:bodyPr>
+          <a:lstStyle/>
+          <a:p>
+            <a:r>
+              <a:rPr lang="hu-HU" dirty="0"/>
+              <a:t>1</a:t>
+            </a:r>
+          </a:p>
+        </p:txBody>
+      </p:sp>
+      <p:sp>
+        <p:nvSpPr>
+          <p:cNvPr id="7" name="Szövegdoboz 6">
+            <a:extLst>
+              <a:ext uri="{FF2B5EF4-FFF2-40B4-BE49-F238E27FC236}">
+                <a16:creationId xmlns:a16="http://schemas.microsoft.com/office/drawing/2014/main" id="{B793B252-FC8F-4ACE-BE5D-321A7E6DC5EE}"/>
+              </a:ext>
+            </a:extLst>
+          </p:cNvPr>
+          <p:cNvSpPr txBox="1"/>
+          <p:nvPr/>
+        </p:nvSpPr>
+        <p:spPr>
+          <a:xfrm>
+            <a:off x="1641441" y="900084"/>
+            <a:ext cx="301686" cy="369332"/>
+          </a:xfrm>
+          <a:prstGeom prst="rect">
+            <a:avLst/>
+          </a:prstGeom>
+          <a:noFill/>
+        </p:spPr>
+        <p:txBody>
+          <a:bodyPr wrap="none" rtlCol="0">
+            <a:spAutoFit/>
+          </a:bodyPr>
+          <a:lstStyle/>
+          <a:p>
+            <a:r>
+              <a:rPr lang="hu-HU" dirty="0"/>
+              <a:t>1</a:t>
+            </a:r>
+          </a:p>
+        </p:txBody>
+      </p:sp>
+    </p:spTree>
+    <p:extLst>
+      <p:ext uri="{BB962C8B-B14F-4D97-AF65-F5344CB8AC3E}">
+        <p14:creationId xmlns:p14="http://schemas.microsoft.com/office/powerpoint/2010/main" val="3598390093"/>
+      </p:ext>
+    </p:extLst>
+  </p:cSld>
+  <p:clrMapOvr>
+    <a:masterClrMapping/>
+  </p:clrMapOvr>
+</p:sld>
+</file>
+
+<file path=ppt/slides/slide22.xml><?xml version="1.0" encoding="utf-8"?>
+<p:sld xmlns:a="http://schemas.openxmlformats.org/drawingml/2006/main" xmlns:r="http://schemas.openxmlformats.org/officeDocument/2006/relationships" xmlns:p="http://schemas.openxmlformats.org/presentationml/2006/main">
+  <p:cSld>
+    <p:spTree>
+      <p:nvGrpSpPr>
+        <p:cNvPr id="1" name=""/>
+        <p:cNvGrpSpPr/>
+        <p:nvPr/>
+      </p:nvGrpSpPr>
+      <p:grpSpPr>
+        <a:xfrm>
+          <a:off x="0" y="0"/>
+          <a:ext cx="0" cy="0"/>
+          <a:chOff x="0" y="0"/>
+          <a:chExt cx="0" cy="0"/>
+        </a:xfrm>
+      </p:grpSpPr>
       <p:grpSp>
         <p:nvGrpSpPr>
           <p:cNvPr id="2" name="Csoportba foglalás 1">
@@ -16375,7 +16668,7 @@
 </p:sld>
 </file>
 
-<file path=ppt/slides/slide22.xml><?xml version="1.0" encoding="utf-8"?>
+<file path=ppt/slides/slide23.xml><?xml version="1.0" encoding="utf-8"?>
 <p:sld xmlns:a="http://schemas.openxmlformats.org/drawingml/2006/main" xmlns:r="http://schemas.openxmlformats.org/officeDocument/2006/relationships" xmlns:p="http://schemas.openxmlformats.org/presentationml/2006/main">
   <p:cSld>
     <p:spTree>
@@ -16826,7 +17119,7 @@
 </p:sld>
 </file>
 
-<file path=ppt/slides/slide23.xml><?xml version="1.0" encoding="utf-8"?>
+<file path=ppt/slides/slide24.xml><?xml version="1.0" encoding="utf-8"?>
 <p:sld xmlns:a="http://schemas.openxmlformats.org/drawingml/2006/main" xmlns:r="http://schemas.openxmlformats.org/officeDocument/2006/relationships" xmlns:p="http://schemas.openxmlformats.org/presentationml/2006/main">
   <p:cSld>
     <p:spTree>

--- a/Planning/látványterv.pptx
+++ b/Planning/látványterv.pptx
@@ -4853,7 +4853,7 @@
           <a:p>
             <a:fld id="{C36CC8F2-73B3-46F3-9726-A154FD4D3F66}" type="datetimeFigureOut">
               <a:rPr lang="hu-HU" smtClean="0"/>
-              <a:t>2022. 02. 22.</a:t>
+              <a:t>2022. 03. 21.</a:t>
             </a:fld>
             <a:endParaRPr lang="hu-HU"/>
           </a:p>
@@ -5051,7 +5051,7 @@
           <a:p>
             <a:fld id="{C36CC8F2-73B3-46F3-9726-A154FD4D3F66}" type="datetimeFigureOut">
               <a:rPr lang="hu-HU" smtClean="0"/>
-              <a:t>2022. 02. 22.</a:t>
+              <a:t>2022. 03. 21.</a:t>
             </a:fld>
             <a:endParaRPr lang="hu-HU"/>
           </a:p>
@@ -5259,7 +5259,7 @@
           <a:p>
             <a:fld id="{C36CC8F2-73B3-46F3-9726-A154FD4D3F66}" type="datetimeFigureOut">
               <a:rPr lang="hu-HU" smtClean="0"/>
-              <a:t>2022. 02. 22.</a:t>
+              <a:t>2022. 03. 21.</a:t>
             </a:fld>
             <a:endParaRPr lang="hu-HU"/>
           </a:p>
@@ -5457,7 +5457,7 @@
           <a:p>
             <a:fld id="{C36CC8F2-73B3-46F3-9726-A154FD4D3F66}" type="datetimeFigureOut">
               <a:rPr lang="hu-HU" smtClean="0"/>
-              <a:t>2022. 02. 22.</a:t>
+              <a:t>2022. 03. 21.</a:t>
             </a:fld>
             <a:endParaRPr lang="hu-HU"/>
           </a:p>
@@ -5732,7 +5732,7 @@
           <a:p>
             <a:fld id="{C36CC8F2-73B3-46F3-9726-A154FD4D3F66}" type="datetimeFigureOut">
               <a:rPr lang="hu-HU" smtClean="0"/>
-              <a:t>2022. 02. 22.</a:t>
+              <a:t>2022. 03. 21.</a:t>
             </a:fld>
             <a:endParaRPr lang="hu-HU"/>
           </a:p>
@@ -5997,7 +5997,7 @@
           <a:p>
             <a:fld id="{C36CC8F2-73B3-46F3-9726-A154FD4D3F66}" type="datetimeFigureOut">
               <a:rPr lang="hu-HU" smtClean="0"/>
-              <a:t>2022. 02. 22.</a:t>
+              <a:t>2022. 03. 21.</a:t>
             </a:fld>
             <a:endParaRPr lang="hu-HU"/>
           </a:p>
@@ -6409,7 +6409,7 @@
           <a:p>
             <a:fld id="{C36CC8F2-73B3-46F3-9726-A154FD4D3F66}" type="datetimeFigureOut">
               <a:rPr lang="hu-HU" smtClean="0"/>
-              <a:t>2022. 02. 22.</a:t>
+              <a:t>2022. 03. 21.</a:t>
             </a:fld>
             <a:endParaRPr lang="hu-HU"/>
           </a:p>
@@ -6550,7 +6550,7 @@
           <a:p>
             <a:fld id="{C36CC8F2-73B3-46F3-9726-A154FD4D3F66}" type="datetimeFigureOut">
               <a:rPr lang="hu-HU" smtClean="0"/>
-              <a:t>2022. 02. 22.</a:t>
+              <a:t>2022. 03. 21.</a:t>
             </a:fld>
             <a:endParaRPr lang="hu-HU"/>
           </a:p>
@@ -6663,7 +6663,7 @@
           <a:p>
             <a:fld id="{C36CC8F2-73B3-46F3-9726-A154FD4D3F66}" type="datetimeFigureOut">
               <a:rPr lang="hu-HU" smtClean="0"/>
-              <a:t>2022. 02. 22.</a:t>
+              <a:t>2022. 03. 21.</a:t>
             </a:fld>
             <a:endParaRPr lang="hu-HU"/>
           </a:p>
@@ -6974,7 +6974,7 @@
           <a:p>
             <a:fld id="{C36CC8F2-73B3-46F3-9726-A154FD4D3F66}" type="datetimeFigureOut">
               <a:rPr lang="hu-HU" smtClean="0"/>
-              <a:t>2022. 02. 22.</a:t>
+              <a:t>2022. 03. 21.</a:t>
             </a:fld>
             <a:endParaRPr lang="hu-HU"/>
           </a:p>
@@ -7262,7 +7262,7 @@
           <a:p>
             <a:fld id="{C36CC8F2-73B3-46F3-9726-A154FD4D3F66}" type="datetimeFigureOut">
               <a:rPr lang="hu-HU" smtClean="0"/>
-              <a:t>2022. 02. 22.</a:t>
+              <a:t>2022. 03. 21.</a:t>
             </a:fld>
             <a:endParaRPr lang="hu-HU"/>
           </a:p>
@@ -7503,7 +7503,7 @@
           <a:p>
             <a:fld id="{C36CC8F2-73B3-46F3-9726-A154FD4D3F66}" type="datetimeFigureOut">
               <a:rPr lang="hu-HU" smtClean="0"/>
-              <a:t>2022. 02. 22.</a:t>
+              <a:t>2022. 03. 21.</a:t>
             </a:fld>
             <a:endParaRPr lang="hu-HU"/>
           </a:p>
@@ -11193,9 +11193,16 @@
             <p:ph type="title"/>
           </p:nvPr>
         </p:nvSpPr>
-        <p:spPr/>
+        <p:spPr>
+          <a:xfrm>
+            <a:off x="0" y="1"/>
+            <a:ext cx="2743200" cy="680936"/>
+          </a:xfrm>
+        </p:spPr>
         <p:txBody>
-          <a:bodyPr/>
+          <a:bodyPr>
+            <a:normAutofit fontScale="90000"/>
+          </a:bodyPr>
           <a:lstStyle/>
           <a:p>
             <a:r>
@@ -11205,31 +11212,66 @@
           </a:p>
         </p:txBody>
       </p:sp>
-      <p:sp>
-        <p:nvSpPr>
-          <p:cNvPr id="3" name="Tartalom helye 2">
+      <p:pic>
+        <p:nvPicPr>
+          <p:cNvPr id="9" name="Kép 8">
             <a:extLst>
               <a:ext uri="{FF2B5EF4-FFF2-40B4-BE49-F238E27FC236}">
-                <a16:creationId xmlns:a16="http://schemas.microsoft.com/office/drawing/2014/main" id="{1711BA4A-0FEF-4576-92BA-ED34B2346183}"/>
+                <a16:creationId xmlns:a16="http://schemas.microsoft.com/office/drawing/2014/main" id="{814705BE-3862-4702-A7FC-0169DADC7808}"/>
               </a:ext>
             </a:extLst>
           </p:cNvPr>
-          <p:cNvSpPr>
-            <a:spLocks noGrp="1"/>
-          </p:cNvSpPr>
-          <p:nvPr>
-            <p:ph idx="1"/>
-          </p:nvPr>
-        </p:nvSpPr>
-        <p:spPr/>
-        <p:txBody>
-          <a:bodyPr/>
-          <a:lstStyle/>
-          <a:p>
-            <a:endParaRPr lang="hu-HU"/>
-          </a:p>
-        </p:txBody>
-      </p:sp>
+          <p:cNvPicPr>
+            <a:picLocks noChangeAspect="1"/>
+          </p:cNvPicPr>
+          <p:nvPr/>
+        </p:nvPicPr>
+        <p:blipFill>
+          <a:blip r:embed="rId2"/>
+          <a:stretch>
+            <a:fillRect/>
+          </a:stretch>
+        </p:blipFill>
+        <p:spPr>
+          <a:xfrm>
+            <a:off x="0" y="0"/>
+            <a:ext cx="12192000" cy="6858000"/>
+          </a:xfrm>
+          <a:prstGeom prst="rect">
+            <a:avLst/>
+          </a:prstGeom>
+        </p:spPr>
+      </p:pic>
+      <p:pic>
+        <p:nvPicPr>
+          <p:cNvPr id="11" name="Kép 10">
+            <a:extLst>
+              <a:ext uri="{FF2B5EF4-FFF2-40B4-BE49-F238E27FC236}">
+                <a16:creationId xmlns:a16="http://schemas.microsoft.com/office/drawing/2014/main" id="{F4B2F164-77E8-4BDE-9910-02CCCD989CC1}"/>
+              </a:ext>
+            </a:extLst>
+          </p:cNvPr>
+          <p:cNvPicPr>
+            <a:picLocks noChangeAspect="1"/>
+          </p:cNvPicPr>
+          <p:nvPr/>
+        </p:nvPicPr>
+        <p:blipFill>
+          <a:blip r:embed="rId3"/>
+          <a:stretch>
+            <a:fillRect/>
+          </a:stretch>
+        </p:blipFill>
+        <p:spPr>
+          <a:xfrm>
+            <a:off x="0" y="3610482"/>
+            <a:ext cx="12192000" cy="2928875"/>
+          </a:xfrm>
+          <a:prstGeom prst="rect">
+            <a:avLst/>
+          </a:prstGeom>
+        </p:spPr>
+      </p:pic>
     </p:spTree>
     <p:extLst>
       <p:ext uri="{BB962C8B-B14F-4D97-AF65-F5344CB8AC3E}">

--- a/Planning/látványterv.pptx
+++ b/Planning/látványterv.pptx
@@ -29,6 +29,10 @@
     <p:sldId id="259" r:id="rId23"/>
     <p:sldId id="270" r:id="rId24"/>
     <p:sldId id="271" r:id="rId25"/>
+    <p:sldId id="284" r:id="rId26"/>
+    <p:sldId id="286" r:id="rId27"/>
+    <p:sldId id="287" r:id="rId28"/>
+    <p:sldId id="283" r:id="rId29"/>
   </p:sldIdLst>
   <p:sldSz cx="12192000" cy="6858000"/>
   <p:notesSz cx="6858000" cy="9144000"/>
@@ -4853,7 +4857,7 @@
           <a:p>
             <a:fld id="{C36CC8F2-73B3-46F3-9726-A154FD4D3F66}" type="datetimeFigureOut">
               <a:rPr lang="hu-HU" smtClean="0"/>
-              <a:t>2022. 03. 21.</a:t>
+              <a:t>2022. 07. 25.</a:t>
             </a:fld>
             <a:endParaRPr lang="hu-HU"/>
           </a:p>
@@ -5051,7 +5055,7 @@
           <a:p>
             <a:fld id="{C36CC8F2-73B3-46F3-9726-A154FD4D3F66}" type="datetimeFigureOut">
               <a:rPr lang="hu-HU" smtClean="0"/>
-              <a:t>2022. 03. 21.</a:t>
+              <a:t>2022. 07. 25.</a:t>
             </a:fld>
             <a:endParaRPr lang="hu-HU"/>
           </a:p>
@@ -5259,7 +5263,7 @@
           <a:p>
             <a:fld id="{C36CC8F2-73B3-46F3-9726-A154FD4D3F66}" type="datetimeFigureOut">
               <a:rPr lang="hu-HU" smtClean="0"/>
-              <a:t>2022. 03. 21.</a:t>
+              <a:t>2022. 07. 25.</a:t>
             </a:fld>
             <a:endParaRPr lang="hu-HU"/>
           </a:p>
@@ -5457,7 +5461,7 @@
           <a:p>
             <a:fld id="{C36CC8F2-73B3-46F3-9726-A154FD4D3F66}" type="datetimeFigureOut">
               <a:rPr lang="hu-HU" smtClean="0"/>
-              <a:t>2022. 03. 21.</a:t>
+              <a:t>2022. 07. 25.</a:t>
             </a:fld>
             <a:endParaRPr lang="hu-HU"/>
           </a:p>
@@ -5732,7 +5736,7 @@
           <a:p>
             <a:fld id="{C36CC8F2-73B3-46F3-9726-A154FD4D3F66}" type="datetimeFigureOut">
               <a:rPr lang="hu-HU" smtClean="0"/>
-              <a:t>2022. 03. 21.</a:t>
+              <a:t>2022. 07. 25.</a:t>
             </a:fld>
             <a:endParaRPr lang="hu-HU"/>
           </a:p>
@@ -5997,7 +6001,7 @@
           <a:p>
             <a:fld id="{C36CC8F2-73B3-46F3-9726-A154FD4D3F66}" type="datetimeFigureOut">
               <a:rPr lang="hu-HU" smtClean="0"/>
-              <a:t>2022. 03. 21.</a:t>
+              <a:t>2022. 07. 25.</a:t>
             </a:fld>
             <a:endParaRPr lang="hu-HU"/>
           </a:p>
@@ -6409,7 +6413,7 @@
           <a:p>
             <a:fld id="{C36CC8F2-73B3-46F3-9726-A154FD4D3F66}" type="datetimeFigureOut">
               <a:rPr lang="hu-HU" smtClean="0"/>
-              <a:t>2022. 03. 21.</a:t>
+              <a:t>2022. 07. 25.</a:t>
             </a:fld>
             <a:endParaRPr lang="hu-HU"/>
           </a:p>
@@ -6550,7 +6554,7 @@
           <a:p>
             <a:fld id="{C36CC8F2-73B3-46F3-9726-A154FD4D3F66}" type="datetimeFigureOut">
               <a:rPr lang="hu-HU" smtClean="0"/>
-              <a:t>2022. 03. 21.</a:t>
+              <a:t>2022. 07. 25.</a:t>
             </a:fld>
             <a:endParaRPr lang="hu-HU"/>
           </a:p>
@@ -6663,7 +6667,7 @@
           <a:p>
             <a:fld id="{C36CC8F2-73B3-46F3-9726-A154FD4D3F66}" type="datetimeFigureOut">
               <a:rPr lang="hu-HU" smtClean="0"/>
-              <a:t>2022. 03. 21.</a:t>
+              <a:t>2022. 07. 25.</a:t>
             </a:fld>
             <a:endParaRPr lang="hu-HU"/>
           </a:p>
@@ -6974,7 +6978,7 @@
           <a:p>
             <a:fld id="{C36CC8F2-73B3-46F3-9726-A154FD4D3F66}" type="datetimeFigureOut">
               <a:rPr lang="hu-HU" smtClean="0"/>
-              <a:t>2022. 03. 21.</a:t>
+              <a:t>2022. 07. 25.</a:t>
             </a:fld>
             <a:endParaRPr lang="hu-HU"/>
           </a:p>
@@ -7262,7 +7266,7 @@
           <a:p>
             <a:fld id="{C36CC8F2-73B3-46F3-9726-A154FD4D3F66}" type="datetimeFigureOut">
               <a:rPr lang="hu-HU" smtClean="0"/>
-              <a:t>2022. 03. 21.</a:t>
+              <a:t>2022. 07. 25.</a:t>
             </a:fld>
             <a:endParaRPr lang="hu-HU"/>
           </a:p>
@@ -7503,7 +7507,7 @@
           <a:p>
             <a:fld id="{C36CC8F2-73B3-46F3-9726-A154FD4D3F66}" type="datetimeFigureOut">
               <a:rPr lang="hu-HU" smtClean="0"/>
-              <a:t>2022. 03. 21.</a:t>
+              <a:t>2022. 07. 25.</a:t>
             </a:fld>
             <a:endParaRPr lang="hu-HU"/>
           </a:p>
@@ -17180,10 +17184,10 @@
       </p:grpSpPr>
       <p:sp>
         <p:nvSpPr>
-          <p:cNvPr id="2" name="Téglalap 1">
+          <p:cNvPr id="3" name="Téglalap 2">
             <a:extLst>
               <a:ext uri="{FF2B5EF4-FFF2-40B4-BE49-F238E27FC236}">
-                <a16:creationId xmlns:a16="http://schemas.microsoft.com/office/drawing/2014/main" id="{C392A121-BA26-470E-B4AC-ADEA9121DD30}"/>
+                <a16:creationId xmlns:a16="http://schemas.microsoft.com/office/drawing/2014/main" id="{B894FA61-6247-095E-76A6-2413663020D7}"/>
               </a:ext>
             </a:extLst>
           </p:cNvPr>
@@ -17192,12 +17196,15 @@
         </p:nvSpPr>
         <p:spPr>
           <a:xfrm>
-            <a:off x="961533" y="509048"/>
-            <a:ext cx="301659" cy="5957740"/>
+            <a:off x="0" y="0"/>
+            <a:ext cx="12192000" cy="6858000"/>
           </a:xfrm>
           <a:prstGeom prst="rect">
             <a:avLst/>
           </a:prstGeom>
+          <a:solidFill>
+            <a:srgbClr val="C00000"/>
+          </a:solidFill>
         </p:spPr>
         <p:style>
           <a:lnRef idx="2">
@@ -17220,7 +17227,18 @@
           <a:lstStyle/>
           <a:p>
             <a:pPr algn="ctr"/>
-            <a:endParaRPr lang="hu-HU" dirty="0"/>
+            <a:r>
+              <a:rPr lang="hu-HU" dirty="0"/>
+              <a:t>Innentől </a:t>
+            </a:r>
+            <a:r>
+              <a:rPr lang="hu-HU" dirty="0" err="1"/>
+              <a:t>szakdoga</a:t>
+            </a:r>
+            <a:r>
+              <a:rPr lang="hu-HU" dirty="0"/>
+              <a:t> utáni módosítások jönnek</a:t>
+            </a:r>
           </a:p>
         </p:txBody>
       </p:sp>
@@ -17228,6 +17246,535 @@
     <p:extLst>
       <p:ext uri="{BB962C8B-B14F-4D97-AF65-F5344CB8AC3E}">
         <p14:creationId xmlns:p14="http://schemas.microsoft.com/office/powerpoint/2010/main" val="1427047298"/>
+      </p:ext>
+    </p:extLst>
+  </p:cSld>
+  <p:clrMapOvr>
+    <a:masterClrMapping/>
+  </p:clrMapOvr>
+</p:sld>
+</file>
+
+<file path=ppt/slides/slide25.xml><?xml version="1.0" encoding="utf-8"?>
+<p:sld xmlns:a="http://schemas.openxmlformats.org/drawingml/2006/main" xmlns:r="http://schemas.openxmlformats.org/officeDocument/2006/relationships" xmlns:p="http://schemas.openxmlformats.org/presentationml/2006/main">
+  <p:cSld>
+    <p:spTree>
+      <p:nvGrpSpPr>
+        <p:cNvPr id="1" name=""/>
+        <p:cNvGrpSpPr/>
+        <p:nvPr/>
+      </p:nvGrpSpPr>
+      <p:grpSpPr>
+        <a:xfrm>
+          <a:off x="0" y="0"/>
+          <a:ext cx="0" cy="0"/>
+          <a:chOff x="0" y="0"/>
+          <a:chExt cx="0" cy="0"/>
+        </a:xfrm>
+      </p:grpSpPr>
+      <p:sp>
+        <p:nvSpPr>
+          <p:cNvPr id="2" name="Cím 1">
+            <a:extLst>
+              <a:ext uri="{FF2B5EF4-FFF2-40B4-BE49-F238E27FC236}">
+                <a16:creationId xmlns:a16="http://schemas.microsoft.com/office/drawing/2014/main" id="{A940F0B3-C9FD-E944-E708-E189C497FEC1}"/>
+              </a:ext>
+            </a:extLst>
+          </p:cNvPr>
+          <p:cNvSpPr>
+            <a:spLocks noGrp="1"/>
+          </p:cNvSpPr>
+          <p:nvPr>
+            <p:ph type="title"/>
+          </p:nvPr>
+        </p:nvSpPr>
+        <p:spPr/>
+        <p:txBody>
+          <a:bodyPr/>
+          <a:lstStyle/>
+          <a:p>
+            <a:r>
+              <a:rPr lang="hu-HU" dirty="0"/>
+              <a:t>Felhasználók</a:t>
+            </a:r>
+          </a:p>
+        </p:txBody>
+      </p:sp>
+      <p:sp>
+        <p:nvSpPr>
+          <p:cNvPr id="3" name="Tartalom helye 2">
+            <a:extLst>
+              <a:ext uri="{FF2B5EF4-FFF2-40B4-BE49-F238E27FC236}">
+                <a16:creationId xmlns:a16="http://schemas.microsoft.com/office/drawing/2014/main" id="{0C789A32-9375-EA1D-43B0-D03686344E1F}"/>
+              </a:ext>
+            </a:extLst>
+          </p:cNvPr>
+          <p:cNvSpPr>
+            <a:spLocks noGrp="1"/>
+          </p:cNvSpPr>
+          <p:nvPr>
+            <p:ph idx="1"/>
+          </p:nvPr>
+        </p:nvSpPr>
+        <p:spPr/>
+        <p:txBody>
+          <a:bodyPr>
+            <a:normAutofit fontScale="92500" lnSpcReduction="10000"/>
+          </a:bodyPr>
+          <a:lstStyle/>
+          <a:p>
+            <a:r>
+              <a:rPr lang="hu-HU" b="1" dirty="0"/>
+              <a:t>Email</a:t>
+            </a:r>
+          </a:p>
+          <a:p>
+            <a:r>
+              <a:rPr lang="hu-HU" b="1" dirty="0"/>
+              <a:t>Jelszó</a:t>
+            </a:r>
+          </a:p>
+          <a:p>
+            <a:r>
+              <a:rPr lang="hu-HU" dirty="0"/>
+              <a:t>név</a:t>
+            </a:r>
+          </a:p>
+          <a:p>
+            <a:r>
+              <a:rPr lang="hu-HU" dirty="0"/>
+              <a:t>Csoport tagek:</a:t>
+            </a:r>
+          </a:p>
+          <a:p>
+            <a:pPr lvl="1"/>
+            <a:r>
+              <a:rPr lang="hu-HU" dirty="0"/>
+              <a:t>Egy </a:t>
+            </a:r>
+            <a:r>
+              <a:rPr lang="hu-HU" dirty="0" err="1"/>
+              <a:t>felh</a:t>
+            </a:r>
+            <a:r>
+              <a:rPr lang="hu-HU" dirty="0"/>
+              <a:t>. Rendelkezhet többel is</a:t>
+            </a:r>
+          </a:p>
+          <a:p>
+            <a:pPr lvl="1"/>
+            <a:r>
+              <a:rPr lang="hu-HU" dirty="0"/>
+              <a:t>Kérdéssorok kiválasztható taggel láthatóak el</a:t>
+            </a:r>
+          </a:p>
+          <a:p>
+            <a:r>
+              <a:rPr lang="hu-HU" dirty="0"/>
+              <a:t>Különböző jogok a tagekhez:</a:t>
+            </a:r>
+          </a:p>
+          <a:p>
+            <a:pPr lvl="1"/>
+            <a:r>
+              <a:rPr lang="hu-HU" dirty="0"/>
+              <a:t>Kérdéssorok írása (</a:t>
+            </a:r>
+            <a:r>
+              <a:rPr lang="hu-HU" dirty="0" err="1"/>
+              <a:t>default</a:t>
+            </a:r>
+            <a:r>
+              <a:rPr lang="hu-HU" dirty="0"/>
+              <a:t>)</a:t>
+            </a:r>
+          </a:p>
+          <a:p>
+            <a:pPr lvl="1"/>
+            <a:r>
+              <a:rPr lang="hu-HU" dirty="0"/>
+              <a:t>Kérdéssorok olvasása</a:t>
+            </a:r>
+          </a:p>
+          <a:p>
+            <a:pPr lvl="1"/>
+            <a:r>
+              <a:rPr lang="hu-HU" dirty="0"/>
+              <a:t>Kérdéssorok törlése (csak sajátot)</a:t>
+            </a:r>
+          </a:p>
+          <a:p>
+            <a:pPr lvl="1"/>
+            <a:r>
+              <a:rPr lang="hu-HU" dirty="0"/>
+              <a:t>Kérdéssorok módosítása (másét </a:t>
+            </a:r>
+            <a:r>
+              <a:rPr lang="hu-HU" dirty="0" err="1"/>
+              <a:t>loggolni</a:t>
+            </a:r>
+            <a:r>
+              <a:rPr lang="hu-HU" dirty="0"/>
+              <a:t>!)</a:t>
+            </a:r>
+          </a:p>
+          <a:p>
+            <a:endParaRPr lang="hu-HU" dirty="0"/>
+          </a:p>
+        </p:txBody>
+      </p:sp>
+    </p:spTree>
+    <p:extLst>
+      <p:ext uri="{BB962C8B-B14F-4D97-AF65-F5344CB8AC3E}">
+        <p14:creationId xmlns:p14="http://schemas.microsoft.com/office/powerpoint/2010/main" val="4042355418"/>
+      </p:ext>
+    </p:extLst>
+  </p:cSld>
+  <p:clrMapOvr>
+    <a:masterClrMapping/>
+  </p:clrMapOvr>
+</p:sld>
+</file>
+
+<file path=ppt/slides/slide26.xml><?xml version="1.0" encoding="utf-8"?>
+<p:sld xmlns:a="http://schemas.openxmlformats.org/drawingml/2006/main" xmlns:r="http://schemas.openxmlformats.org/officeDocument/2006/relationships" xmlns:p="http://schemas.openxmlformats.org/presentationml/2006/main">
+  <p:cSld>
+    <p:spTree>
+      <p:nvGrpSpPr>
+        <p:cNvPr id="1" name=""/>
+        <p:cNvGrpSpPr/>
+        <p:nvPr/>
+      </p:nvGrpSpPr>
+      <p:grpSpPr>
+        <a:xfrm>
+          <a:off x="0" y="0"/>
+          <a:ext cx="0" cy="0"/>
+          <a:chOff x="0" y="0"/>
+          <a:chExt cx="0" cy="0"/>
+        </a:xfrm>
+      </p:grpSpPr>
+      <p:sp>
+        <p:nvSpPr>
+          <p:cNvPr id="2" name="Cím 1">
+            <a:extLst>
+              <a:ext uri="{FF2B5EF4-FFF2-40B4-BE49-F238E27FC236}">
+                <a16:creationId xmlns:a16="http://schemas.microsoft.com/office/drawing/2014/main" id="{A940F0B3-C9FD-E944-E708-E189C497FEC1}"/>
+              </a:ext>
+            </a:extLst>
+          </p:cNvPr>
+          <p:cNvSpPr>
+            <a:spLocks noGrp="1"/>
+          </p:cNvSpPr>
+          <p:nvPr>
+            <p:ph type="title"/>
+          </p:nvPr>
+        </p:nvSpPr>
+        <p:spPr/>
+        <p:txBody>
+          <a:bodyPr/>
+          <a:lstStyle/>
+          <a:p>
+            <a:r>
+              <a:rPr lang="hu-HU" dirty="0" err="1"/>
+              <a:t>Desktop</a:t>
+            </a:r>
+            <a:endParaRPr lang="hu-HU" dirty="0"/>
+          </a:p>
+        </p:txBody>
+      </p:sp>
+      <p:sp>
+        <p:nvSpPr>
+          <p:cNvPr id="3" name="Tartalom helye 2">
+            <a:extLst>
+              <a:ext uri="{FF2B5EF4-FFF2-40B4-BE49-F238E27FC236}">
+                <a16:creationId xmlns:a16="http://schemas.microsoft.com/office/drawing/2014/main" id="{0C789A32-9375-EA1D-43B0-D03686344E1F}"/>
+              </a:ext>
+            </a:extLst>
+          </p:cNvPr>
+          <p:cNvSpPr>
+            <a:spLocks noGrp="1"/>
+          </p:cNvSpPr>
+          <p:nvPr>
+            <p:ph idx="1"/>
+          </p:nvPr>
+        </p:nvSpPr>
+        <p:spPr/>
+        <p:txBody>
+          <a:bodyPr>
+            <a:normAutofit/>
+          </a:bodyPr>
+          <a:lstStyle/>
+          <a:p>
+            <a:r>
+              <a:rPr lang="hu-HU" dirty="0"/>
+              <a:t>Login</a:t>
+            </a:r>
+          </a:p>
+          <a:p>
+            <a:r>
+              <a:rPr lang="hu-HU" dirty="0"/>
+              <a:t>A </a:t>
+            </a:r>
+            <a:r>
+              <a:rPr lang="hu-HU" dirty="0" err="1"/>
+              <a:t>user</a:t>
+            </a:r>
+            <a:r>
+              <a:rPr lang="hu-HU" dirty="0"/>
+              <a:t> által látható kérdéssorokkal játék</a:t>
+            </a:r>
+          </a:p>
+          <a:p>
+            <a:r>
+              <a:rPr lang="hu-HU" dirty="0"/>
+              <a:t>Login nélkül offline játék (kérdések csak fájlból)</a:t>
+            </a:r>
+          </a:p>
+          <a:p>
+            <a:r>
+              <a:rPr lang="hu-HU" dirty="0" err="1"/>
+              <a:t>User</a:t>
+            </a:r>
+            <a:r>
+              <a:rPr lang="hu-HU" dirty="0"/>
+              <a:t> adatok egy részének lekérése (a kijelzett </a:t>
+            </a:r>
+            <a:r>
+              <a:rPr lang="hu-HU" dirty="0" err="1"/>
+              <a:t>névhhez</a:t>
+            </a:r>
+            <a:r>
+              <a:rPr lang="hu-HU" dirty="0"/>
+              <a:t>, azonosításhoz)</a:t>
+            </a:r>
+          </a:p>
+          <a:p>
+            <a:r>
+              <a:rPr lang="hu-HU" dirty="0"/>
+              <a:t>Loggolás:</a:t>
+            </a:r>
+          </a:p>
+          <a:p>
+            <a:pPr lvl="1"/>
+            <a:r>
+              <a:rPr lang="hu-HU" dirty="0" err="1"/>
+              <a:t>Ingame</a:t>
+            </a:r>
+            <a:r>
+              <a:rPr lang="hu-HU" dirty="0"/>
+              <a:t> válaszok (helyes/n)</a:t>
+            </a:r>
+          </a:p>
+          <a:p>
+            <a:pPr lvl="1"/>
+            <a:r>
+              <a:rPr lang="hu-HU" dirty="0" err="1"/>
+              <a:t>Ingame</a:t>
+            </a:r>
+            <a:r>
+              <a:rPr lang="hu-HU" dirty="0"/>
+              <a:t> állás</a:t>
+            </a:r>
+          </a:p>
+          <a:p>
+            <a:pPr lvl="1"/>
+            <a:r>
+              <a:rPr lang="hu-HU" dirty="0"/>
+              <a:t>Endgame állás</a:t>
+            </a:r>
+          </a:p>
+          <a:p>
+            <a:r>
+              <a:rPr lang="hu-HU" dirty="0" err="1"/>
+              <a:t>Logok</a:t>
+            </a:r>
+            <a:r>
+              <a:rPr lang="hu-HU" dirty="0"/>
+              <a:t> feltöltése</a:t>
+            </a:r>
+          </a:p>
+        </p:txBody>
+      </p:sp>
+    </p:spTree>
+    <p:extLst>
+      <p:ext uri="{BB962C8B-B14F-4D97-AF65-F5344CB8AC3E}">
+        <p14:creationId xmlns:p14="http://schemas.microsoft.com/office/powerpoint/2010/main" val="4022482128"/>
+      </p:ext>
+    </p:extLst>
+  </p:cSld>
+  <p:clrMapOvr>
+    <a:masterClrMapping/>
+  </p:clrMapOvr>
+</p:sld>
+</file>
+
+<file path=ppt/slides/slide27.xml><?xml version="1.0" encoding="utf-8"?>
+<p:sld xmlns:a="http://schemas.openxmlformats.org/drawingml/2006/main" xmlns:r="http://schemas.openxmlformats.org/officeDocument/2006/relationships" xmlns:p="http://schemas.openxmlformats.org/presentationml/2006/main">
+  <p:cSld>
+    <p:spTree>
+      <p:nvGrpSpPr>
+        <p:cNvPr id="1" name=""/>
+        <p:cNvGrpSpPr/>
+        <p:nvPr/>
+      </p:nvGrpSpPr>
+      <p:grpSpPr>
+        <a:xfrm>
+          <a:off x="0" y="0"/>
+          <a:ext cx="0" cy="0"/>
+          <a:chOff x="0" y="0"/>
+          <a:chExt cx="0" cy="0"/>
+        </a:xfrm>
+      </p:grpSpPr>
+      <p:sp>
+        <p:nvSpPr>
+          <p:cNvPr id="2" name="Cím 1">
+            <a:extLst>
+              <a:ext uri="{FF2B5EF4-FFF2-40B4-BE49-F238E27FC236}">
+                <a16:creationId xmlns:a16="http://schemas.microsoft.com/office/drawing/2014/main" id="{A940F0B3-C9FD-E944-E708-E189C497FEC1}"/>
+              </a:ext>
+            </a:extLst>
+          </p:cNvPr>
+          <p:cNvSpPr>
+            <a:spLocks noGrp="1"/>
+          </p:cNvSpPr>
+          <p:nvPr>
+            <p:ph type="title"/>
+          </p:nvPr>
+        </p:nvSpPr>
+        <p:spPr/>
+        <p:txBody>
+          <a:bodyPr/>
+          <a:lstStyle/>
+          <a:p>
+            <a:r>
+              <a:rPr lang="hu-HU" dirty="0" err="1"/>
+              <a:t>Desktop</a:t>
+            </a:r>
+            <a:r>
+              <a:rPr lang="hu-HU" dirty="0"/>
+              <a:t> (új funkciók)</a:t>
+            </a:r>
+          </a:p>
+        </p:txBody>
+      </p:sp>
+      <p:sp>
+        <p:nvSpPr>
+          <p:cNvPr id="3" name="Tartalom helye 2">
+            <a:extLst>
+              <a:ext uri="{FF2B5EF4-FFF2-40B4-BE49-F238E27FC236}">
+                <a16:creationId xmlns:a16="http://schemas.microsoft.com/office/drawing/2014/main" id="{0C789A32-9375-EA1D-43B0-D03686344E1F}"/>
+              </a:ext>
+            </a:extLst>
+          </p:cNvPr>
+          <p:cNvSpPr>
+            <a:spLocks noGrp="1"/>
+          </p:cNvSpPr>
+          <p:nvPr>
+            <p:ph idx="1"/>
+          </p:nvPr>
+        </p:nvSpPr>
+        <p:spPr/>
+        <p:txBody>
+          <a:bodyPr>
+            <a:normAutofit/>
+          </a:bodyPr>
+          <a:lstStyle/>
+          <a:p>
+            <a:r>
+              <a:rPr lang="hu-HU" dirty="0" err="1"/>
+              <a:t>Undo</a:t>
+            </a:r>
+            <a:r>
+              <a:rPr lang="hu-HU" dirty="0"/>
+              <a:t> / </a:t>
+            </a:r>
+            <a:r>
+              <a:rPr lang="hu-HU" dirty="0" err="1"/>
+              <a:t>redo</a:t>
+            </a:r>
+            <a:endParaRPr lang="hu-HU" dirty="0"/>
+          </a:p>
+          <a:p>
+            <a:r>
+              <a:rPr lang="hu-HU" dirty="0"/>
+              <a:t>Állás kijelzése </a:t>
+            </a:r>
+            <a:r>
+              <a:rPr lang="hu-HU" dirty="0" err="1"/>
+              <a:t>ingame</a:t>
+            </a:r>
+            <a:endParaRPr lang="hu-HU" dirty="0"/>
+          </a:p>
+          <a:p>
+            <a:r>
+              <a:rPr lang="hu-HU" dirty="0"/>
+              <a:t>Kérdéssor minden fordulóhoz</a:t>
+            </a:r>
+          </a:p>
+          <a:p>
+            <a:r>
+              <a:rPr lang="hu-HU" dirty="0"/>
+              <a:t>Kérdéssor </a:t>
+            </a:r>
+            <a:r>
+              <a:rPr lang="hu-HU" dirty="0" err="1"/>
+              <a:t>warning</a:t>
+            </a:r>
+            <a:r>
+              <a:rPr lang="hu-HU" dirty="0"/>
+              <a:t> ha a szerző játszik vele</a:t>
+            </a:r>
+          </a:p>
+          <a:p>
+            <a:r>
+              <a:rPr lang="hu-HU" dirty="0"/>
+              <a:t>Látványosabb jelzés ha az </a:t>
+            </a:r>
+            <a:r>
+              <a:rPr lang="hu-HU"/>
+              <a:t>idő letelik</a:t>
+            </a:r>
+            <a:endParaRPr lang="hu-HU" dirty="0"/>
+          </a:p>
+          <a:p>
+            <a:endParaRPr lang="hu-HU" dirty="0"/>
+          </a:p>
+        </p:txBody>
+      </p:sp>
+    </p:spTree>
+    <p:extLst>
+      <p:ext uri="{BB962C8B-B14F-4D97-AF65-F5344CB8AC3E}">
+        <p14:creationId xmlns:p14="http://schemas.microsoft.com/office/powerpoint/2010/main" val="2607241380"/>
+      </p:ext>
+    </p:extLst>
+  </p:cSld>
+  <p:clrMapOvr>
+    <a:masterClrMapping/>
+  </p:clrMapOvr>
+</p:sld>
+</file>
+
+<file path=ppt/slides/slide28.xml><?xml version="1.0" encoding="utf-8"?>
+<p:sld xmlns:a="http://schemas.openxmlformats.org/drawingml/2006/main" xmlns:r="http://schemas.openxmlformats.org/officeDocument/2006/relationships" xmlns:p="http://schemas.openxmlformats.org/presentationml/2006/main">
+  <p:cSld>
+    <p:spTree>
+      <p:nvGrpSpPr>
+        <p:cNvPr id="1" name=""/>
+        <p:cNvGrpSpPr/>
+        <p:nvPr/>
+      </p:nvGrpSpPr>
+      <p:grpSpPr>
+        <a:xfrm>
+          <a:off x="0" y="0"/>
+          <a:ext cx="0" cy="0"/>
+          <a:chOff x="0" y="0"/>
+          <a:chExt cx="0" cy="0"/>
+        </a:xfrm>
+      </p:grpSpPr>
+    </p:spTree>
+    <p:extLst>
+      <p:ext uri="{BB962C8B-B14F-4D97-AF65-F5344CB8AC3E}">
+        <p14:creationId xmlns:p14="http://schemas.microsoft.com/office/powerpoint/2010/main" val="395835657"/>
       </p:ext>
     </p:extLst>
   </p:cSld>
